--- a/presentation/Padlock_Token.pptx
+++ b/presentation/Padlock_Token.pptx
@@ -16,6 +16,8 @@
     <p:sldId id="261" r:id="rId10"/>
     <p:sldId id="262" r:id="rId11"/>
     <p:sldId id="263" r:id="rId12"/>
+    <p:sldId id="264" r:id="rId13"/>
+    <p:sldId id="265" r:id="rId14"/>
   </p:sldIdLst>
   <p:sldSz cy="6858000" cx="12192000"/>
   <p:notesSz cx="7559675" cy="10691800"/>
@@ -682,7 +684,7 @@
   <p:cSld>
     <p:spTree>
       <p:nvGrpSpPr>
-        <p:cNvPr id="71" name="Shape 71"/>
+        <p:cNvPr id="70" name="Shape 70"/>
         <p:cNvGrpSpPr/>
         <p:nvPr/>
       </p:nvGrpSpPr>
@@ -696,7 +698,7 @@
       </p:grpSpPr>
       <p:sp>
         <p:nvSpPr>
-          <p:cNvPr id="72" name="Google Shape;72;p1:notes"/>
+          <p:cNvPr id="71" name="Google Shape;71;p1:notes"/>
           <p:cNvSpPr txBox="1"/>
           <p:nvPr>
             <p:ph idx="1" type="body"/>
@@ -735,7 +737,7 @@
       </p:sp>
       <p:sp>
         <p:nvSpPr>
-          <p:cNvPr id="73" name="Google Shape;73;p1:notes"/>
+          <p:cNvPr id="72" name="Google Shape;72;p1:notes"/>
           <p:cNvSpPr/>
           <p:nvPr>
             <p:ph idx="2" type="sldImg"/>
@@ -776,12 +778,12 @@
 </p:notes>
 </file>
 
-<file path=ppt/notesSlides/notesSlide2.xml><?xml version="1.0" encoding="utf-8"?>
+<file path=ppt/notesSlides/notesSlide10.xml><?xml version="1.0" encoding="utf-8"?>
 <p:notes xmlns:a="http://schemas.openxmlformats.org/drawingml/2006/main" xmlns:r="http://schemas.openxmlformats.org/officeDocument/2006/relationships" xmlns:mc="http://schemas.openxmlformats.org/markup-compatibility/2006" xmlns:mv="urn:schemas-microsoft-com:mac:vml" xmlns:p="http://schemas.openxmlformats.org/presentationml/2006/main" xmlns:c="http://schemas.openxmlformats.org/drawingml/2006/chart" xmlns:dgm="http://schemas.openxmlformats.org/drawingml/2006/diagram" xmlns:o="urn:schemas-microsoft-com:office:office" xmlns:v="urn:schemas-microsoft-com:vml" xmlns:pvml="urn:schemas-microsoft-com:office:powerpoint" xmlns:com="http://schemas.openxmlformats.org/drawingml/2006/compatibility" xmlns:p14="http://schemas.microsoft.com/office/powerpoint/2010/main" xmlns:p15="http://schemas.microsoft.com/office/powerpoint/2012/main" xmlns:ahyp="http://schemas.microsoft.com/office/drawing/2018/hyperlinkcolor" showMasterPhAnim="0" showMasterSp="0">
   <p:cSld>
     <p:spTree>
       <p:nvGrpSpPr>
-        <p:cNvPr id="84" name="Shape 84"/>
+        <p:cNvPr id="186" name="Shape 186"/>
         <p:cNvGrpSpPr/>
         <p:nvPr/>
       </p:nvGrpSpPr>
@@ -795,7 +797,7 @@
       </p:grpSpPr>
       <p:sp>
         <p:nvSpPr>
-          <p:cNvPr id="85" name="Google Shape;85;ga5d3f221cf_1_5:notes"/>
+          <p:cNvPr id="187" name="Google Shape;187;ga5d3f221cf_3_29:notes"/>
           <p:cNvSpPr txBox="1"/>
           <p:nvPr>
             <p:ph idx="1" type="body"/>
@@ -834,7 +836,106 @@
       </p:sp>
       <p:sp>
         <p:nvSpPr>
-          <p:cNvPr id="86" name="Google Shape;86;ga5d3f221cf_1_5:notes"/>
+          <p:cNvPr id="188" name="Google Shape;188;ga5d3f221cf_3_29:notes"/>
+          <p:cNvSpPr/>
+          <p:nvPr>
+            <p:ph idx="2" type="sldImg"/>
+          </p:nvPr>
+        </p:nvSpPr>
+        <p:spPr>
+          <a:xfrm>
+            <a:off x="1260175" y="801875"/>
+            <a:ext cx="5040000" cy="4009500"/>
+          </a:xfrm>
+          <a:custGeom>
+            <a:rect b="b" l="l" r="r" t="t"/>
+            <a:pathLst>
+              <a:path extrusionOk="0" h="120000" w="120000">
+                <a:moveTo>
+                  <a:pt x="0" y="0"/>
+                </a:moveTo>
+                <a:lnTo>
+                  <a:pt x="120000" y="0"/>
+                </a:lnTo>
+                <a:lnTo>
+                  <a:pt x="120000" y="120000"/>
+                </a:lnTo>
+                <a:lnTo>
+                  <a:pt x="0" y="120000"/>
+                </a:lnTo>
+                <a:close/>
+              </a:path>
+            </a:pathLst>
+          </a:custGeom>
+        </p:spPr>
+      </p:sp>
+    </p:spTree>
+  </p:cSld>
+  <p:clrMapOvr>
+    <a:masterClrMapping/>
+  </p:clrMapOvr>
+</p:notes>
+</file>
+
+<file path=ppt/notesSlides/notesSlide2.xml><?xml version="1.0" encoding="utf-8"?>
+<p:notes xmlns:a="http://schemas.openxmlformats.org/drawingml/2006/main" xmlns:r="http://schemas.openxmlformats.org/officeDocument/2006/relationships" xmlns:mc="http://schemas.openxmlformats.org/markup-compatibility/2006" xmlns:mv="urn:schemas-microsoft-com:mac:vml" xmlns:p="http://schemas.openxmlformats.org/presentationml/2006/main" xmlns:c="http://schemas.openxmlformats.org/drawingml/2006/chart" xmlns:dgm="http://schemas.openxmlformats.org/drawingml/2006/diagram" xmlns:o="urn:schemas-microsoft-com:office:office" xmlns:v="urn:schemas-microsoft-com:vml" xmlns:pvml="urn:schemas-microsoft-com:office:powerpoint" xmlns:com="http://schemas.openxmlformats.org/drawingml/2006/compatibility" xmlns:p14="http://schemas.microsoft.com/office/powerpoint/2010/main" xmlns:p15="http://schemas.microsoft.com/office/powerpoint/2012/main" xmlns:ahyp="http://schemas.microsoft.com/office/drawing/2018/hyperlinkcolor" showMasterPhAnim="0" showMasterSp="0">
+  <p:cSld>
+    <p:spTree>
+      <p:nvGrpSpPr>
+        <p:cNvPr id="83" name="Shape 83"/>
+        <p:cNvGrpSpPr/>
+        <p:nvPr/>
+      </p:nvGrpSpPr>
+      <p:grpSpPr>
+        <a:xfrm>
+          <a:off x="0" y="0"/>
+          <a:ext cx="0" cy="0"/>
+          <a:chOff x="0" y="0"/>
+          <a:chExt cx="0" cy="0"/>
+        </a:xfrm>
+      </p:grpSpPr>
+      <p:sp>
+        <p:nvSpPr>
+          <p:cNvPr id="84" name="Google Shape;84;ga5d3f221cf_1_5:notes"/>
+          <p:cNvSpPr txBox="1"/>
+          <p:nvPr>
+            <p:ph idx="1" type="body"/>
+          </p:nvPr>
+        </p:nvSpPr>
+        <p:spPr>
+          <a:xfrm>
+            <a:off x="755950" y="5078600"/>
+            <a:ext cx="6047700" cy="4811400"/>
+          </a:xfrm>
+          <a:prstGeom prst="rect">
+            <a:avLst/>
+          </a:prstGeom>
+        </p:spPr>
+        <p:txBody>
+          <a:bodyPr anchorCtr="0" anchor="t" bIns="91425" lIns="91425" spcFirstLastPara="1" rIns="91425" wrap="square" tIns="91425">
+            <a:noAutofit/>
+          </a:bodyPr>
+          <a:lstStyle/>
+          <a:p>
+            <a:pPr indent="0" lvl="0" marL="0" rtl="0" algn="l">
+              <a:spcBef>
+                <a:spcPts val="0"/>
+              </a:spcBef>
+              <a:spcAft>
+                <a:spcPts val="0"/>
+              </a:spcAft>
+              <a:buNone/>
+            </a:pPr>
+            <a:r>
+              <a:t/>
+            </a:r>
+            <a:endParaRPr/>
+          </a:p>
+        </p:txBody>
+      </p:sp>
+      <p:sp>
+        <p:nvSpPr>
+          <p:cNvPr id="85" name="Google Shape;85;ga5d3f221cf_1_5:notes"/>
           <p:cNvSpPr/>
           <p:nvPr>
             <p:ph idx="2" type="sldImg"/>
@@ -880,7 +981,7 @@
   <p:cSld>
     <p:spTree>
       <p:nvGrpSpPr>
-        <p:cNvPr id="97" name="Shape 97"/>
+        <p:cNvPr id="96" name="Shape 96"/>
         <p:cNvGrpSpPr/>
         <p:nvPr/>
       </p:nvGrpSpPr>
@@ -894,7 +995,7 @@
       </p:grpSpPr>
       <p:sp>
         <p:nvSpPr>
-          <p:cNvPr id="98" name="Google Shape;98;ga5d3f221cf_1_17:notes"/>
+          <p:cNvPr id="97" name="Google Shape;97;ga5d3f221cf_1_17:notes"/>
           <p:cNvSpPr txBox="1"/>
           <p:nvPr>
             <p:ph idx="1" type="body"/>
@@ -933,7 +1034,7 @@
       </p:sp>
       <p:sp>
         <p:nvSpPr>
-          <p:cNvPr id="99" name="Google Shape;99;ga5d3f221cf_1_17:notes"/>
+          <p:cNvPr id="98" name="Google Shape;98;ga5d3f221cf_1_17:notes"/>
           <p:cNvSpPr/>
           <p:nvPr>
             <p:ph idx="2" type="sldImg"/>
@@ -979,7 +1080,7 @@
   <p:cSld>
     <p:spTree>
       <p:nvGrpSpPr>
-        <p:cNvPr id="110" name="Shape 110"/>
+        <p:cNvPr id="109" name="Shape 109"/>
         <p:cNvGrpSpPr/>
         <p:nvPr/>
       </p:nvGrpSpPr>
@@ -993,7 +1094,7 @@
       </p:grpSpPr>
       <p:sp>
         <p:nvSpPr>
-          <p:cNvPr id="111" name="Google Shape;111;p2:notes"/>
+          <p:cNvPr id="110" name="Google Shape;110;p2:notes"/>
           <p:cNvSpPr txBox="1"/>
           <p:nvPr>
             <p:ph idx="1" type="body"/>
@@ -1032,7 +1133,7 @@
       </p:sp>
       <p:sp>
         <p:nvSpPr>
-          <p:cNvPr id="112" name="Google Shape;112;p2:notes"/>
+          <p:cNvPr id="111" name="Google Shape;111;p2:notes"/>
           <p:cNvSpPr/>
           <p:nvPr>
             <p:ph idx="2" type="sldImg"/>
@@ -1078,7 +1179,7 @@
   <p:cSld>
     <p:spTree>
       <p:nvGrpSpPr>
-        <p:cNvPr id="123" name="Shape 123"/>
+        <p:cNvPr id="122" name="Shape 122"/>
         <p:cNvGrpSpPr/>
         <p:nvPr/>
       </p:nvGrpSpPr>
@@ -1092,7 +1193,7 @@
       </p:grpSpPr>
       <p:sp>
         <p:nvSpPr>
-          <p:cNvPr id="124" name="Google Shape;124;p3:notes"/>
+          <p:cNvPr id="123" name="Google Shape;123;p3:notes"/>
           <p:cNvSpPr txBox="1"/>
           <p:nvPr>
             <p:ph idx="1" type="body"/>
@@ -1131,7 +1232,7 @@
       </p:sp>
       <p:sp>
         <p:nvSpPr>
-          <p:cNvPr id="125" name="Google Shape;125;p3:notes"/>
+          <p:cNvPr id="124" name="Google Shape;124;p3:notes"/>
           <p:cNvSpPr/>
           <p:nvPr>
             <p:ph idx="2" type="sldImg"/>
@@ -1177,7 +1278,7 @@
   <p:cSld>
     <p:spTree>
       <p:nvGrpSpPr>
-        <p:cNvPr id="136" name="Shape 136"/>
+        <p:cNvPr id="135" name="Shape 135"/>
         <p:cNvGrpSpPr/>
         <p:nvPr/>
       </p:nvGrpSpPr>
@@ -1191,7 +1292,7 @@
       </p:grpSpPr>
       <p:sp>
         <p:nvSpPr>
-          <p:cNvPr id="137" name="Google Shape;137;p4:notes"/>
+          <p:cNvPr id="136" name="Google Shape;136;p4:notes"/>
           <p:cNvSpPr txBox="1"/>
           <p:nvPr>
             <p:ph idx="1" type="body"/>
@@ -1230,7 +1331,7 @@
       </p:sp>
       <p:sp>
         <p:nvSpPr>
-          <p:cNvPr id="138" name="Google Shape;138;p4:notes"/>
+          <p:cNvPr id="137" name="Google Shape;137;p4:notes"/>
           <p:cNvSpPr/>
           <p:nvPr>
             <p:ph idx="2" type="sldImg"/>
@@ -1276,7 +1377,7 @@
   <p:cSld>
     <p:spTree>
       <p:nvGrpSpPr>
-        <p:cNvPr id="149" name="Shape 149"/>
+        <p:cNvPr id="148" name="Shape 148"/>
         <p:cNvGrpSpPr/>
         <p:nvPr/>
       </p:nvGrpSpPr>
@@ -1290,7 +1391,7 @@
       </p:grpSpPr>
       <p:sp>
         <p:nvSpPr>
-          <p:cNvPr id="150" name="Google Shape;150;ga5d3f221cf_1_46:notes"/>
+          <p:cNvPr id="149" name="Google Shape;149;ga5d3f221cf_1_46:notes"/>
           <p:cNvSpPr txBox="1"/>
           <p:nvPr>
             <p:ph idx="1" type="body"/>
@@ -1329,7 +1430,7 @@
       </p:sp>
       <p:sp>
         <p:nvSpPr>
-          <p:cNvPr id="151" name="Google Shape;151;ga5d3f221cf_1_46:notes"/>
+          <p:cNvPr id="150" name="Google Shape;150;ga5d3f221cf_1_46:notes"/>
           <p:cNvSpPr/>
           <p:nvPr>
             <p:ph idx="2" type="sldImg"/>
@@ -1375,7 +1476,7 @@
   <p:cSld>
     <p:spTree>
       <p:nvGrpSpPr>
-        <p:cNvPr id="162" name="Shape 162"/>
+        <p:cNvPr id="161" name="Shape 161"/>
         <p:cNvGrpSpPr/>
         <p:nvPr/>
       </p:nvGrpSpPr>
@@ -1389,7 +1490,7 @@
       </p:grpSpPr>
       <p:sp>
         <p:nvSpPr>
-          <p:cNvPr id="163" name="Google Shape;163;ga5d3f221cf_1_59:notes"/>
+          <p:cNvPr id="162" name="Google Shape;162;ga5d3f221cf_1_59:notes"/>
           <p:cNvSpPr txBox="1"/>
           <p:nvPr>
             <p:ph idx="1" type="body"/>
@@ -1428,7 +1529,106 @@
       </p:sp>
       <p:sp>
         <p:nvSpPr>
-          <p:cNvPr id="164" name="Google Shape;164;ga5d3f221cf_1_59:notes"/>
+          <p:cNvPr id="163" name="Google Shape;163;ga5d3f221cf_1_59:notes"/>
+          <p:cNvSpPr/>
+          <p:nvPr>
+            <p:ph idx="2" type="sldImg"/>
+          </p:nvPr>
+        </p:nvSpPr>
+        <p:spPr>
+          <a:xfrm>
+            <a:off x="1260175" y="801875"/>
+            <a:ext cx="5040000" cy="4009500"/>
+          </a:xfrm>
+          <a:custGeom>
+            <a:rect b="b" l="l" r="r" t="t"/>
+            <a:pathLst>
+              <a:path extrusionOk="0" h="120000" w="120000">
+                <a:moveTo>
+                  <a:pt x="0" y="0"/>
+                </a:moveTo>
+                <a:lnTo>
+                  <a:pt x="120000" y="0"/>
+                </a:lnTo>
+                <a:lnTo>
+                  <a:pt x="120000" y="120000"/>
+                </a:lnTo>
+                <a:lnTo>
+                  <a:pt x="0" y="120000"/>
+                </a:lnTo>
+                <a:close/>
+              </a:path>
+            </a:pathLst>
+          </a:custGeom>
+        </p:spPr>
+      </p:sp>
+    </p:spTree>
+  </p:cSld>
+  <p:clrMapOvr>
+    <a:masterClrMapping/>
+  </p:clrMapOvr>
+</p:notes>
+</file>
+
+<file path=ppt/notesSlides/notesSlide9.xml><?xml version="1.0" encoding="utf-8"?>
+<p:notes xmlns:a="http://schemas.openxmlformats.org/drawingml/2006/main" xmlns:r="http://schemas.openxmlformats.org/officeDocument/2006/relationships" xmlns:mc="http://schemas.openxmlformats.org/markup-compatibility/2006" xmlns:mv="urn:schemas-microsoft-com:mac:vml" xmlns:p="http://schemas.openxmlformats.org/presentationml/2006/main" xmlns:c="http://schemas.openxmlformats.org/drawingml/2006/chart" xmlns:dgm="http://schemas.openxmlformats.org/drawingml/2006/diagram" xmlns:o="urn:schemas-microsoft-com:office:office" xmlns:v="urn:schemas-microsoft-com:vml" xmlns:pvml="urn:schemas-microsoft-com:office:powerpoint" xmlns:com="http://schemas.openxmlformats.org/drawingml/2006/compatibility" xmlns:p14="http://schemas.microsoft.com/office/powerpoint/2010/main" xmlns:p15="http://schemas.microsoft.com/office/powerpoint/2012/main" xmlns:ahyp="http://schemas.microsoft.com/office/drawing/2018/hyperlinkcolor" showMasterPhAnim="0" showMasterSp="0">
+  <p:cSld>
+    <p:spTree>
+      <p:nvGrpSpPr>
+        <p:cNvPr id="174" name="Shape 174"/>
+        <p:cNvGrpSpPr/>
+        <p:nvPr/>
+      </p:nvGrpSpPr>
+      <p:grpSpPr>
+        <a:xfrm>
+          <a:off x="0" y="0"/>
+          <a:ext cx="0" cy="0"/>
+          <a:chOff x="0" y="0"/>
+          <a:chExt cx="0" cy="0"/>
+        </a:xfrm>
+      </p:grpSpPr>
+      <p:sp>
+        <p:nvSpPr>
+          <p:cNvPr id="175" name="Google Shape;175;ga5d3f221cf_3_41:notes"/>
+          <p:cNvSpPr txBox="1"/>
+          <p:nvPr>
+            <p:ph idx="1" type="body"/>
+          </p:nvPr>
+        </p:nvSpPr>
+        <p:spPr>
+          <a:xfrm>
+            <a:off x="755950" y="5078600"/>
+            <a:ext cx="6047700" cy="4811400"/>
+          </a:xfrm>
+          <a:prstGeom prst="rect">
+            <a:avLst/>
+          </a:prstGeom>
+        </p:spPr>
+        <p:txBody>
+          <a:bodyPr anchorCtr="0" anchor="t" bIns="91425" lIns="91425" spcFirstLastPara="1" rIns="91425" wrap="square" tIns="91425">
+            <a:noAutofit/>
+          </a:bodyPr>
+          <a:lstStyle/>
+          <a:p>
+            <a:pPr indent="0" lvl="0" marL="0" rtl="0" algn="l">
+              <a:spcBef>
+                <a:spcPts val="0"/>
+              </a:spcBef>
+              <a:spcAft>
+                <a:spcPts val="0"/>
+              </a:spcAft>
+              <a:buNone/>
+            </a:pPr>
+            <a:r>
+              <a:t/>
+            </a:r>
+            <a:endParaRPr/>
+          </a:p>
+        </p:txBody>
+      </p:sp>
+      <p:sp>
+        <p:nvSpPr>
+          <p:cNvPr id="176" name="Google Shape;176;ga5d3f221cf_3_41:notes"/>
           <p:cNvSpPr/>
           <p:nvPr>
             <p:ph idx="2" type="sldImg"/>
@@ -1474,7 +1674,7 @@
   <p:cSld name="TITLE_AND_BODY">
     <p:spTree>
       <p:nvGrpSpPr>
-        <p:cNvPr id="11" name="Shape 11"/>
+        <p:cNvPr id="10" name="Shape 10"/>
         <p:cNvGrpSpPr/>
         <p:nvPr/>
       </p:nvGrpSpPr>
@@ -1488,7 +1688,7 @@
       </p:grpSpPr>
       <p:sp>
         <p:nvSpPr>
-          <p:cNvPr id="12" name="Google Shape;12;p2"/>
+          <p:cNvPr id="11" name="Google Shape;11;p2"/>
           <p:cNvSpPr txBox="1"/>
           <p:nvPr>
             <p:ph type="title"/>
@@ -1617,7 +1817,7 @@
       </p:sp>
       <p:sp>
         <p:nvSpPr>
-          <p:cNvPr id="13" name="Google Shape;13;p2"/>
+          <p:cNvPr id="12" name="Google Shape;12;p2"/>
           <p:cNvSpPr txBox="1"/>
           <p:nvPr>
             <p:ph idx="1" type="subTitle"/>
@@ -1746,7 +1946,7 @@
       </p:sp>
       <p:sp>
         <p:nvSpPr>
-          <p:cNvPr id="14" name="Google Shape;14;p2"/>
+          <p:cNvPr id="13" name="Google Shape;13;p2"/>
           <p:cNvSpPr txBox="1"/>
           <p:nvPr>
             <p:ph idx="12" type="sldNum"/>
@@ -1906,7 +2106,7 @@
   <p:cSld name="OBJECT_OVER_TEXT">
     <p:spTree>
       <p:nvGrpSpPr>
-        <p:cNvPr id="50" name="Shape 50"/>
+        <p:cNvPr id="49" name="Shape 49"/>
         <p:cNvGrpSpPr/>
         <p:nvPr/>
       </p:nvGrpSpPr>
@@ -1920,7 +2120,7 @@
       </p:grpSpPr>
       <p:sp>
         <p:nvSpPr>
-          <p:cNvPr id="51" name="Google Shape;51;p11"/>
+          <p:cNvPr id="50" name="Google Shape;50;p11"/>
           <p:cNvSpPr txBox="1"/>
           <p:nvPr>
             <p:ph type="title"/>
@@ -2049,7 +2249,7 @@
       </p:sp>
       <p:sp>
         <p:nvSpPr>
-          <p:cNvPr id="52" name="Google Shape;52;p11"/>
+          <p:cNvPr id="51" name="Google Shape;51;p11"/>
           <p:cNvSpPr txBox="1"/>
           <p:nvPr>
             <p:ph idx="1" type="body"/>
@@ -2178,7 +2378,7 @@
       </p:sp>
       <p:sp>
         <p:nvSpPr>
-          <p:cNvPr id="53" name="Google Shape;53;p11"/>
+          <p:cNvPr id="52" name="Google Shape;52;p11"/>
           <p:cNvSpPr txBox="1"/>
           <p:nvPr>
             <p:ph idx="2" type="body"/>
@@ -2307,7 +2507,7 @@
       </p:sp>
       <p:sp>
         <p:nvSpPr>
-          <p:cNvPr id="54" name="Google Shape;54;p11"/>
+          <p:cNvPr id="53" name="Google Shape;53;p11"/>
           <p:cNvSpPr txBox="1"/>
           <p:nvPr>
             <p:ph idx="12" type="sldNum"/>
@@ -2467,7 +2667,7 @@
   <p:cSld name="FOUR_OBJECTS">
     <p:spTree>
       <p:nvGrpSpPr>
-        <p:cNvPr id="55" name="Shape 55"/>
+        <p:cNvPr id="54" name="Shape 54"/>
         <p:cNvGrpSpPr/>
         <p:nvPr/>
       </p:nvGrpSpPr>
@@ -2481,7 +2681,7 @@
       </p:grpSpPr>
       <p:sp>
         <p:nvSpPr>
-          <p:cNvPr id="56" name="Google Shape;56;p12"/>
+          <p:cNvPr id="55" name="Google Shape;55;p12"/>
           <p:cNvSpPr txBox="1"/>
           <p:nvPr>
             <p:ph type="title"/>
@@ -2610,7 +2810,7 @@
       </p:sp>
       <p:sp>
         <p:nvSpPr>
-          <p:cNvPr id="57" name="Google Shape;57;p12"/>
+          <p:cNvPr id="56" name="Google Shape;56;p12"/>
           <p:cNvSpPr txBox="1"/>
           <p:nvPr>
             <p:ph idx="1" type="body"/>
@@ -2739,7 +2939,7 @@
       </p:sp>
       <p:sp>
         <p:nvSpPr>
-          <p:cNvPr id="58" name="Google Shape;58;p12"/>
+          <p:cNvPr id="57" name="Google Shape;57;p12"/>
           <p:cNvSpPr txBox="1"/>
           <p:nvPr>
             <p:ph idx="2" type="body"/>
@@ -2868,7 +3068,7 @@
       </p:sp>
       <p:sp>
         <p:nvSpPr>
-          <p:cNvPr id="59" name="Google Shape;59;p12"/>
+          <p:cNvPr id="58" name="Google Shape;58;p12"/>
           <p:cNvSpPr txBox="1"/>
           <p:nvPr>
             <p:ph idx="3" type="body"/>
@@ -2997,7 +3197,7 @@
       </p:sp>
       <p:sp>
         <p:nvSpPr>
-          <p:cNvPr id="60" name="Google Shape;60;p12"/>
+          <p:cNvPr id="59" name="Google Shape;59;p12"/>
           <p:cNvSpPr txBox="1"/>
           <p:nvPr>
             <p:ph idx="4" type="body"/>
@@ -3126,7 +3326,7 @@
       </p:sp>
       <p:sp>
         <p:nvSpPr>
-          <p:cNvPr id="61" name="Google Shape;61;p12"/>
+          <p:cNvPr id="60" name="Google Shape;60;p12"/>
           <p:cNvSpPr txBox="1"/>
           <p:nvPr>
             <p:ph idx="12" type="sldNum"/>
@@ -3286,7 +3486,7 @@
   <p:cSld name="Title, 6 Content">
     <p:spTree>
       <p:nvGrpSpPr>
-        <p:cNvPr id="62" name="Shape 62"/>
+        <p:cNvPr id="61" name="Shape 61"/>
         <p:cNvGrpSpPr/>
         <p:nvPr/>
       </p:nvGrpSpPr>
@@ -3300,7 +3500,7 @@
       </p:grpSpPr>
       <p:sp>
         <p:nvSpPr>
-          <p:cNvPr id="63" name="Google Shape;63;p13"/>
+          <p:cNvPr id="62" name="Google Shape;62;p13"/>
           <p:cNvSpPr txBox="1"/>
           <p:nvPr>
             <p:ph type="title"/>
@@ -3429,7 +3629,7 @@
       </p:sp>
       <p:sp>
         <p:nvSpPr>
-          <p:cNvPr id="64" name="Google Shape;64;p13"/>
+          <p:cNvPr id="63" name="Google Shape;63;p13"/>
           <p:cNvSpPr txBox="1"/>
           <p:nvPr>
             <p:ph idx="1" type="body"/>
@@ -3558,7 +3758,7 @@
       </p:sp>
       <p:sp>
         <p:nvSpPr>
-          <p:cNvPr id="65" name="Google Shape;65;p13"/>
+          <p:cNvPr id="64" name="Google Shape;64;p13"/>
           <p:cNvSpPr txBox="1"/>
           <p:nvPr>
             <p:ph idx="2" type="body"/>
@@ -3687,7 +3887,7 @@
       </p:sp>
       <p:sp>
         <p:nvSpPr>
-          <p:cNvPr id="66" name="Google Shape;66;p13"/>
+          <p:cNvPr id="65" name="Google Shape;65;p13"/>
           <p:cNvSpPr txBox="1"/>
           <p:nvPr>
             <p:ph idx="3" type="body"/>
@@ -3816,7 +4016,7 @@
       </p:sp>
       <p:sp>
         <p:nvSpPr>
-          <p:cNvPr id="67" name="Google Shape;67;p13"/>
+          <p:cNvPr id="66" name="Google Shape;66;p13"/>
           <p:cNvSpPr txBox="1"/>
           <p:nvPr>
             <p:ph idx="4" type="body"/>
@@ -3945,7 +4145,7 @@
       </p:sp>
       <p:sp>
         <p:nvSpPr>
-          <p:cNvPr id="68" name="Google Shape;68;p13"/>
+          <p:cNvPr id="67" name="Google Shape;67;p13"/>
           <p:cNvSpPr txBox="1"/>
           <p:nvPr>
             <p:ph idx="5" type="body"/>
@@ -4074,7 +4274,7 @@
       </p:sp>
       <p:sp>
         <p:nvSpPr>
-          <p:cNvPr id="69" name="Google Shape;69;p13"/>
+          <p:cNvPr id="68" name="Google Shape;68;p13"/>
           <p:cNvSpPr txBox="1"/>
           <p:nvPr>
             <p:ph idx="6" type="body"/>
@@ -4203,7 +4403,7 @@
       </p:sp>
       <p:sp>
         <p:nvSpPr>
-          <p:cNvPr id="70" name="Google Shape;70;p13"/>
+          <p:cNvPr id="69" name="Google Shape;69;p13"/>
           <p:cNvSpPr txBox="1"/>
           <p:nvPr>
             <p:ph idx="12" type="sldNum"/>
@@ -4363,7 +4563,7 @@
   <p:cSld name="BLANK">
     <p:spTree>
       <p:nvGrpSpPr>
-        <p:cNvPr id="15" name="Shape 15"/>
+        <p:cNvPr id="14" name="Shape 14"/>
         <p:cNvGrpSpPr/>
         <p:nvPr/>
       </p:nvGrpSpPr>
@@ -4377,7 +4577,7 @@
       </p:grpSpPr>
       <p:sp>
         <p:nvSpPr>
-          <p:cNvPr id="16" name="Google Shape;16;p3"/>
+          <p:cNvPr id="15" name="Google Shape;15;p3"/>
           <p:cNvSpPr txBox="1"/>
           <p:nvPr>
             <p:ph idx="12" type="sldNum"/>
@@ -4537,7 +4737,7 @@
   <p:cSld name="OBJECT">
     <p:spTree>
       <p:nvGrpSpPr>
-        <p:cNvPr id="17" name="Shape 17"/>
+        <p:cNvPr id="16" name="Shape 16"/>
         <p:cNvGrpSpPr/>
         <p:nvPr/>
       </p:nvGrpSpPr>
@@ -4551,7 +4751,7 @@
       </p:grpSpPr>
       <p:sp>
         <p:nvSpPr>
-          <p:cNvPr id="18" name="Google Shape;18;p4"/>
+          <p:cNvPr id="17" name="Google Shape;17;p4"/>
           <p:cNvSpPr txBox="1"/>
           <p:nvPr>
             <p:ph type="title"/>
@@ -4680,7 +4880,7 @@
       </p:sp>
       <p:sp>
         <p:nvSpPr>
-          <p:cNvPr id="19" name="Google Shape;19;p4"/>
+          <p:cNvPr id="18" name="Google Shape;18;p4"/>
           <p:cNvSpPr txBox="1"/>
           <p:nvPr>
             <p:ph idx="1" type="body"/>
@@ -4809,7 +5009,7 @@
       </p:sp>
       <p:sp>
         <p:nvSpPr>
-          <p:cNvPr id="20" name="Google Shape;20;p4"/>
+          <p:cNvPr id="19" name="Google Shape;19;p4"/>
           <p:cNvSpPr txBox="1"/>
           <p:nvPr>
             <p:ph idx="12" type="sldNum"/>
@@ -4969,7 +5169,7 @@
   <p:cSld name="TWO_OBJECTS">
     <p:spTree>
       <p:nvGrpSpPr>
-        <p:cNvPr id="21" name="Shape 21"/>
+        <p:cNvPr id="20" name="Shape 20"/>
         <p:cNvGrpSpPr/>
         <p:nvPr/>
       </p:nvGrpSpPr>
@@ -4983,7 +5183,7 @@
       </p:grpSpPr>
       <p:sp>
         <p:nvSpPr>
-          <p:cNvPr id="22" name="Google Shape;22;p5"/>
+          <p:cNvPr id="21" name="Google Shape;21;p5"/>
           <p:cNvSpPr txBox="1"/>
           <p:nvPr>
             <p:ph type="title"/>
@@ -5112,7 +5312,7 @@
       </p:sp>
       <p:sp>
         <p:nvSpPr>
-          <p:cNvPr id="23" name="Google Shape;23;p5"/>
+          <p:cNvPr id="22" name="Google Shape;22;p5"/>
           <p:cNvSpPr txBox="1"/>
           <p:nvPr>
             <p:ph idx="1" type="body"/>
@@ -5241,7 +5441,7 @@
       </p:sp>
       <p:sp>
         <p:nvSpPr>
-          <p:cNvPr id="24" name="Google Shape;24;p5"/>
+          <p:cNvPr id="23" name="Google Shape;23;p5"/>
           <p:cNvSpPr txBox="1"/>
           <p:nvPr>
             <p:ph idx="2" type="body"/>
@@ -5370,7 +5570,7 @@
       </p:sp>
       <p:sp>
         <p:nvSpPr>
-          <p:cNvPr id="25" name="Google Shape;25;p5"/>
+          <p:cNvPr id="24" name="Google Shape;24;p5"/>
           <p:cNvSpPr txBox="1"/>
           <p:nvPr>
             <p:ph idx="12" type="sldNum"/>
@@ -5530,7 +5730,7 @@
   <p:cSld name="TITLE_ONLY">
     <p:spTree>
       <p:nvGrpSpPr>
-        <p:cNvPr id="26" name="Shape 26"/>
+        <p:cNvPr id="25" name="Shape 25"/>
         <p:cNvGrpSpPr/>
         <p:nvPr/>
       </p:nvGrpSpPr>
@@ -5544,7 +5744,7 @@
       </p:grpSpPr>
       <p:sp>
         <p:nvSpPr>
-          <p:cNvPr id="27" name="Google Shape;27;p6"/>
+          <p:cNvPr id="26" name="Google Shape;26;p6"/>
           <p:cNvSpPr txBox="1"/>
           <p:nvPr>
             <p:ph type="title"/>
@@ -5673,7 +5873,7 @@
       </p:sp>
       <p:sp>
         <p:nvSpPr>
-          <p:cNvPr id="28" name="Google Shape;28;p6"/>
+          <p:cNvPr id="27" name="Google Shape;27;p6"/>
           <p:cNvSpPr txBox="1"/>
           <p:nvPr>
             <p:ph idx="12" type="sldNum"/>
@@ -5833,7 +6033,7 @@
   <p:cSld name="OBJECT_ONLY">
     <p:spTree>
       <p:nvGrpSpPr>
-        <p:cNvPr id="29" name="Shape 29"/>
+        <p:cNvPr id="28" name="Shape 28"/>
         <p:cNvGrpSpPr/>
         <p:nvPr/>
       </p:nvGrpSpPr>
@@ -5847,7 +6047,7 @@
       </p:grpSpPr>
       <p:sp>
         <p:nvSpPr>
-          <p:cNvPr id="30" name="Google Shape;30;p7"/>
+          <p:cNvPr id="29" name="Google Shape;29;p7"/>
           <p:cNvSpPr txBox="1"/>
           <p:nvPr>
             <p:ph idx="1" type="subTitle"/>
@@ -5976,7 +6176,7 @@
       </p:sp>
       <p:sp>
         <p:nvSpPr>
-          <p:cNvPr id="31" name="Google Shape;31;p7"/>
+          <p:cNvPr id="30" name="Google Shape;30;p7"/>
           <p:cNvSpPr txBox="1"/>
           <p:nvPr>
             <p:ph idx="12" type="sldNum"/>
@@ -6136,7 +6336,7 @@
   <p:cSld name="TWO_OBJECTS_AND_OBJECT">
     <p:spTree>
       <p:nvGrpSpPr>
-        <p:cNvPr id="32" name="Shape 32"/>
+        <p:cNvPr id="31" name="Shape 31"/>
         <p:cNvGrpSpPr/>
         <p:nvPr/>
       </p:nvGrpSpPr>
@@ -6150,7 +6350,7 @@
       </p:grpSpPr>
       <p:sp>
         <p:nvSpPr>
-          <p:cNvPr id="33" name="Google Shape;33;p8"/>
+          <p:cNvPr id="32" name="Google Shape;32;p8"/>
           <p:cNvSpPr txBox="1"/>
           <p:nvPr>
             <p:ph type="title"/>
@@ -6279,7 +6479,7 @@
       </p:sp>
       <p:sp>
         <p:nvSpPr>
-          <p:cNvPr id="34" name="Google Shape;34;p8"/>
+          <p:cNvPr id="33" name="Google Shape;33;p8"/>
           <p:cNvSpPr txBox="1"/>
           <p:nvPr>
             <p:ph idx="1" type="body"/>
@@ -6408,7 +6608,7 @@
       </p:sp>
       <p:sp>
         <p:nvSpPr>
-          <p:cNvPr id="35" name="Google Shape;35;p8"/>
+          <p:cNvPr id="34" name="Google Shape;34;p8"/>
           <p:cNvSpPr txBox="1"/>
           <p:nvPr>
             <p:ph idx="2" type="body"/>
@@ -6537,7 +6737,7 @@
       </p:sp>
       <p:sp>
         <p:nvSpPr>
-          <p:cNvPr id="36" name="Google Shape;36;p8"/>
+          <p:cNvPr id="35" name="Google Shape;35;p8"/>
           <p:cNvSpPr txBox="1"/>
           <p:nvPr>
             <p:ph idx="3" type="body"/>
@@ -6666,7 +6866,7 @@
       </p:sp>
       <p:sp>
         <p:nvSpPr>
-          <p:cNvPr id="37" name="Google Shape;37;p8"/>
+          <p:cNvPr id="36" name="Google Shape;36;p8"/>
           <p:cNvSpPr txBox="1"/>
           <p:nvPr>
             <p:ph idx="12" type="sldNum"/>
@@ -6826,7 +7026,7 @@
   <p:cSld name="OBJECT_AND_TWO_OBJECTS">
     <p:spTree>
       <p:nvGrpSpPr>
-        <p:cNvPr id="38" name="Shape 38"/>
+        <p:cNvPr id="37" name="Shape 37"/>
         <p:cNvGrpSpPr/>
         <p:nvPr/>
       </p:nvGrpSpPr>
@@ -6840,7 +7040,7 @@
       </p:grpSpPr>
       <p:sp>
         <p:nvSpPr>
-          <p:cNvPr id="39" name="Google Shape;39;p9"/>
+          <p:cNvPr id="38" name="Google Shape;38;p9"/>
           <p:cNvSpPr txBox="1"/>
           <p:nvPr>
             <p:ph type="title"/>
@@ -6969,7 +7169,7 @@
       </p:sp>
       <p:sp>
         <p:nvSpPr>
-          <p:cNvPr id="40" name="Google Shape;40;p9"/>
+          <p:cNvPr id="39" name="Google Shape;39;p9"/>
           <p:cNvSpPr txBox="1"/>
           <p:nvPr>
             <p:ph idx="1" type="body"/>
@@ -7098,7 +7298,7 @@
       </p:sp>
       <p:sp>
         <p:nvSpPr>
-          <p:cNvPr id="41" name="Google Shape;41;p9"/>
+          <p:cNvPr id="40" name="Google Shape;40;p9"/>
           <p:cNvSpPr txBox="1"/>
           <p:nvPr>
             <p:ph idx="2" type="body"/>
@@ -7227,7 +7427,7 @@
       </p:sp>
       <p:sp>
         <p:nvSpPr>
-          <p:cNvPr id="42" name="Google Shape;42;p9"/>
+          <p:cNvPr id="41" name="Google Shape;41;p9"/>
           <p:cNvSpPr txBox="1"/>
           <p:nvPr>
             <p:ph idx="3" type="body"/>
@@ -7356,7 +7556,7 @@
       </p:sp>
       <p:sp>
         <p:nvSpPr>
-          <p:cNvPr id="43" name="Google Shape;43;p9"/>
+          <p:cNvPr id="42" name="Google Shape;42;p9"/>
           <p:cNvSpPr txBox="1"/>
           <p:nvPr>
             <p:ph idx="12" type="sldNum"/>
@@ -7516,7 +7716,7 @@
   <p:cSld name="TWO_OBJECTS_OVER_TEXT">
     <p:spTree>
       <p:nvGrpSpPr>
-        <p:cNvPr id="44" name="Shape 44"/>
+        <p:cNvPr id="43" name="Shape 43"/>
         <p:cNvGrpSpPr/>
         <p:nvPr/>
       </p:nvGrpSpPr>
@@ -7530,7 +7730,7 @@
       </p:grpSpPr>
       <p:sp>
         <p:nvSpPr>
-          <p:cNvPr id="45" name="Google Shape;45;p10"/>
+          <p:cNvPr id="44" name="Google Shape;44;p10"/>
           <p:cNvSpPr txBox="1"/>
           <p:nvPr>
             <p:ph type="title"/>
@@ -7659,7 +7859,7 @@
       </p:sp>
       <p:sp>
         <p:nvSpPr>
-          <p:cNvPr id="46" name="Google Shape;46;p10"/>
+          <p:cNvPr id="45" name="Google Shape;45;p10"/>
           <p:cNvSpPr txBox="1"/>
           <p:nvPr>
             <p:ph idx="1" type="body"/>
@@ -7788,7 +7988,7 @@
       </p:sp>
       <p:sp>
         <p:nvSpPr>
-          <p:cNvPr id="47" name="Google Shape;47;p10"/>
+          <p:cNvPr id="46" name="Google Shape;46;p10"/>
           <p:cNvSpPr txBox="1"/>
           <p:nvPr>
             <p:ph idx="2" type="body"/>
@@ -7917,7 +8117,7 @@
       </p:sp>
       <p:sp>
         <p:nvSpPr>
-          <p:cNvPr id="48" name="Google Shape;48;p10"/>
+          <p:cNvPr id="47" name="Google Shape;47;p10"/>
           <p:cNvSpPr txBox="1"/>
           <p:nvPr>
             <p:ph idx="3" type="body"/>
@@ -8046,7 +8246,7 @@
       </p:sp>
       <p:sp>
         <p:nvSpPr>
-          <p:cNvPr id="49" name="Google Shape;49;p10"/>
+          <p:cNvPr id="48" name="Google Shape;48;p10"/>
           <p:cNvSpPr txBox="1"/>
           <p:nvPr>
             <p:ph idx="12" type="sldNum"/>
@@ -8359,264 +8559,6 @@
           <p:cNvPr id="7" name="Google Shape;7;p1"/>
           <p:cNvSpPr txBox="1"/>
           <p:nvPr>
-            <p:ph idx="10" type="dt"/>
-          </p:nvPr>
-        </p:nvSpPr>
-        <p:spPr>
-          <a:xfrm>
-            <a:off x="838080" y="6356520"/>
-            <a:ext cx="2742840" cy="364680"/>
-          </a:xfrm>
-          <a:prstGeom prst="rect">
-            <a:avLst/>
-          </a:prstGeom>
-          <a:noFill/>
-          <a:ln>
-            <a:noFill/>
-          </a:ln>
-        </p:spPr>
-        <p:txBody>
-          <a:bodyPr anchorCtr="0" anchor="ctr" bIns="45700" lIns="91425" spcFirstLastPara="1" rIns="91425" wrap="square" tIns="45700">
-            <a:noAutofit/>
-          </a:bodyPr>
-          <a:lstStyle>
-            <a:lvl1pPr lvl="0" marR="0" rtl="0" algn="l">
-              <a:spcBef>
-                <a:spcPts val="0"/>
-              </a:spcBef>
-              <a:spcAft>
-                <a:spcPts val="0"/>
-              </a:spcAft>
-              <a:buSzPts val="1400"/>
-              <a:buNone/>
-              <a:defRPr b="0" i="0" sz="1800" u="none" cap="none" strike="noStrike"/>
-            </a:lvl1pPr>
-            <a:lvl2pPr lvl="1" marR="0" rtl="0" algn="l">
-              <a:spcBef>
-                <a:spcPts val="0"/>
-              </a:spcBef>
-              <a:spcAft>
-                <a:spcPts val="0"/>
-              </a:spcAft>
-              <a:buSzPts val="1400"/>
-              <a:buNone/>
-              <a:defRPr b="0" i="0" sz="1800" u="none" cap="none" strike="noStrike"/>
-            </a:lvl2pPr>
-            <a:lvl3pPr lvl="2" marR="0" rtl="0" algn="l">
-              <a:spcBef>
-                <a:spcPts val="0"/>
-              </a:spcBef>
-              <a:spcAft>
-                <a:spcPts val="0"/>
-              </a:spcAft>
-              <a:buSzPts val="1400"/>
-              <a:buNone/>
-              <a:defRPr b="0" i="0" sz="1800" u="none" cap="none" strike="noStrike"/>
-            </a:lvl3pPr>
-            <a:lvl4pPr lvl="3" marR="0" rtl="0" algn="l">
-              <a:spcBef>
-                <a:spcPts val="0"/>
-              </a:spcBef>
-              <a:spcAft>
-                <a:spcPts val="0"/>
-              </a:spcAft>
-              <a:buSzPts val="1400"/>
-              <a:buNone/>
-              <a:defRPr b="0" i="0" sz="1800" u="none" cap="none" strike="noStrike"/>
-            </a:lvl4pPr>
-            <a:lvl5pPr lvl="4" marR="0" rtl="0" algn="l">
-              <a:spcBef>
-                <a:spcPts val="0"/>
-              </a:spcBef>
-              <a:spcAft>
-                <a:spcPts val="0"/>
-              </a:spcAft>
-              <a:buSzPts val="1400"/>
-              <a:buNone/>
-              <a:defRPr b="0" i="0" sz="1800" u="none" cap="none" strike="noStrike"/>
-            </a:lvl5pPr>
-            <a:lvl6pPr lvl="5" marR="0" rtl="0" algn="l">
-              <a:spcBef>
-                <a:spcPts val="0"/>
-              </a:spcBef>
-              <a:spcAft>
-                <a:spcPts val="0"/>
-              </a:spcAft>
-              <a:buSzPts val="1400"/>
-              <a:buNone/>
-              <a:defRPr b="0" i="0" sz="1800" u="none" cap="none" strike="noStrike"/>
-            </a:lvl6pPr>
-            <a:lvl7pPr lvl="6" marR="0" rtl="0" algn="l">
-              <a:spcBef>
-                <a:spcPts val="0"/>
-              </a:spcBef>
-              <a:spcAft>
-                <a:spcPts val="0"/>
-              </a:spcAft>
-              <a:buSzPts val="1400"/>
-              <a:buNone/>
-              <a:defRPr b="0" i="0" sz="1800" u="none" cap="none" strike="noStrike"/>
-            </a:lvl7pPr>
-            <a:lvl8pPr lvl="7" marR="0" rtl="0" algn="l">
-              <a:spcBef>
-                <a:spcPts val="0"/>
-              </a:spcBef>
-              <a:spcAft>
-                <a:spcPts val="0"/>
-              </a:spcAft>
-              <a:buSzPts val="1400"/>
-              <a:buNone/>
-              <a:defRPr b="0" i="0" sz="1800" u="none" cap="none" strike="noStrike"/>
-            </a:lvl8pPr>
-            <a:lvl9pPr lvl="8" marR="0" rtl="0" algn="l">
-              <a:spcBef>
-                <a:spcPts val="0"/>
-              </a:spcBef>
-              <a:spcAft>
-                <a:spcPts val="0"/>
-              </a:spcAft>
-              <a:buSzPts val="1400"/>
-              <a:buNone/>
-              <a:defRPr b="0" i="0" sz="1800" u="none" cap="none" strike="noStrike"/>
-            </a:lvl9pPr>
-          </a:lstStyle>
-          <a:p/>
-        </p:txBody>
-      </p:sp>
-      <p:sp>
-        <p:nvSpPr>
-          <p:cNvPr id="8" name="Google Shape;8;p1"/>
-          <p:cNvSpPr txBox="1"/>
-          <p:nvPr>
-            <p:ph idx="11" type="ftr"/>
-          </p:nvPr>
-        </p:nvSpPr>
-        <p:spPr>
-          <a:xfrm>
-            <a:off x="4038480" y="6356520"/>
-            <a:ext cx="4114440" cy="364680"/>
-          </a:xfrm>
-          <a:prstGeom prst="rect">
-            <a:avLst/>
-          </a:prstGeom>
-          <a:noFill/>
-          <a:ln>
-            <a:noFill/>
-          </a:ln>
-        </p:spPr>
-        <p:txBody>
-          <a:bodyPr anchorCtr="0" anchor="ctr" bIns="45700" lIns="91425" spcFirstLastPara="1" rIns="91425" wrap="square" tIns="45700">
-            <a:noAutofit/>
-          </a:bodyPr>
-          <a:lstStyle>
-            <a:lvl1pPr lvl="0" marR="0" rtl="0" algn="l">
-              <a:spcBef>
-                <a:spcPts val="0"/>
-              </a:spcBef>
-              <a:spcAft>
-                <a:spcPts val="0"/>
-              </a:spcAft>
-              <a:buSzPts val="1400"/>
-              <a:buNone/>
-              <a:defRPr b="0" i="0" sz="1800" u="none" cap="none" strike="noStrike"/>
-            </a:lvl1pPr>
-            <a:lvl2pPr lvl="1" marR="0" rtl="0" algn="l">
-              <a:spcBef>
-                <a:spcPts val="0"/>
-              </a:spcBef>
-              <a:spcAft>
-                <a:spcPts val="0"/>
-              </a:spcAft>
-              <a:buSzPts val="1400"/>
-              <a:buNone/>
-              <a:defRPr b="0" i="0" sz="1800" u="none" cap="none" strike="noStrike"/>
-            </a:lvl2pPr>
-            <a:lvl3pPr lvl="2" marR="0" rtl="0" algn="l">
-              <a:spcBef>
-                <a:spcPts val="0"/>
-              </a:spcBef>
-              <a:spcAft>
-                <a:spcPts val="0"/>
-              </a:spcAft>
-              <a:buSzPts val="1400"/>
-              <a:buNone/>
-              <a:defRPr b="0" i="0" sz="1800" u="none" cap="none" strike="noStrike"/>
-            </a:lvl3pPr>
-            <a:lvl4pPr lvl="3" marR="0" rtl="0" algn="l">
-              <a:spcBef>
-                <a:spcPts val="0"/>
-              </a:spcBef>
-              <a:spcAft>
-                <a:spcPts val="0"/>
-              </a:spcAft>
-              <a:buSzPts val="1400"/>
-              <a:buNone/>
-              <a:defRPr b="0" i="0" sz="1800" u="none" cap="none" strike="noStrike"/>
-            </a:lvl4pPr>
-            <a:lvl5pPr lvl="4" marR="0" rtl="0" algn="l">
-              <a:spcBef>
-                <a:spcPts val="0"/>
-              </a:spcBef>
-              <a:spcAft>
-                <a:spcPts val="0"/>
-              </a:spcAft>
-              <a:buSzPts val="1400"/>
-              <a:buNone/>
-              <a:defRPr b="0" i="0" sz="1800" u="none" cap="none" strike="noStrike"/>
-            </a:lvl5pPr>
-            <a:lvl6pPr lvl="5" marR="0" rtl="0" algn="l">
-              <a:spcBef>
-                <a:spcPts val="0"/>
-              </a:spcBef>
-              <a:spcAft>
-                <a:spcPts val="0"/>
-              </a:spcAft>
-              <a:buSzPts val="1400"/>
-              <a:buNone/>
-              <a:defRPr b="0" i="0" sz="1800" u="none" cap="none" strike="noStrike"/>
-            </a:lvl6pPr>
-            <a:lvl7pPr lvl="6" marR="0" rtl="0" algn="l">
-              <a:spcBef>
-                <a:spcPts val="0"/>
-              </a:spcBef>
-              <a:spcAft>
-                <a:spcPts val="0"/>
-              </a:spcAft>
-              <a:buSzPts val="1400"/>
-              <a:buNone/>
-              <a:defRPr b="0" i="0" sz="1800" u="none" cap="none" strike="noStrike"/>
-            </a:lvl7pPr>
-            <a:lvl8pPr lvl="7" marR="0" rtl="0" algn="l">
-              <a:spcBef>
-                <a:spcPts val="0"/>
-              </a:spcBef>
-              <a:spcAft>
-                <a:spcPts val="0"/>
-              </a:spcAft>
-              <a:buSzPts val="1400"/>
-              <a:buNone/>
-              <a:defRPr b="0" i="0" sz="1800" u="none" cap="none" strike="noStrike"/>
-            </a:lvl8pPr>
-            <a:lvl9pPr lvl="8" marR="0" rtl="0" algn="l">
-              <a:spcBef>
-                <a:spcPts val="0"/>
-              </a:spcBef>
-              <a:spcAft>
-                <a:spcPts val="0"/>
-              </a:spcAft>
-              <a:buSzPts val="1400"/>
-              <a:buNone/>
-              <a:defRPr b="0" i="0" sz="1800" u="none" cap="none" strike="noStrike"/>
-            </a:lvl9pPr>
-          </a:lstStyle>
-          <a:p/>
-        </p:txBody>
-      </p:sp>
-      <p:sp>
-        <p:nvSpPr>
-          <p:cNvPr id="9" name="Google Shape;9;p1"/>
-          <p:cNvSpPr txBox="1"/>
-          <p:nvPr>
             <p:ph idx="12" type="sldNum"/>
           </p:nvPr>
         </p:nvSpPr>
@@ -8829,7 +8771,7 @@
       </p:sp>
       <p:sp>
         <p:nvSpPr>
-          <p:cNvPr id="10" name="Google Shape;10;p1"/>
+          <p:cNvPr id="8" name="Google Shape;8;p1"/>
           <p:cNvSpPr txBox="1"/>
           <p:nvPr>
             <p:ph idx="1" type="body"/>
@@ -8954,6 +8896,56 @@
             </a:lvl9pPr>
           </a:lstStyle>
           <a:p/>
+        </p:txBody>
+      </p:sp>
+      <p:sp>
+        <p:nvSpPr>
+          <p:cNvPr id="9" name="Google Shape;9;p1"/>
+          <p:cNvSpPr txBox="1"/>
+          <p:nvPr/>
+        </p:nvSpPr>
+        <p:spPr>
+          <a:xfrm>
+            <a:off x="1523875" y="6356450"/>
+            <a:ext cx="6734100" cy="364800"/>
+          </a:xfrm>
+          <a:prstGeom prst="rect">
+            <a:avLst/>
+          </a:prstGeom>
+          <a:noFill/>
+          <a:ln>
+            <a:noFill/>
+          </a:ln>
+        </p:spPr>
+        <p:txBody>
+          <a:bodyPr anchorCtr="0" anchor="ctr" bIns="91425" lIns="91425" spcFirstLastPara="1" rIns="91425" wrap="square" tIns="91425">
+            <a:noAutofit/>
+          </a:bodyPr>
+          <a:lstStyle/>
+          <a:p>
+            <a:pPr indent="0" lvl="0" marL="0" rtl="0" algn="l">
+              <a:spcBef>
+                <a:spcPts val="0"/>
+              </a:spcBef>
+              <a:spcAft>
+                <a:spcPts val="0"/>
+              </a:spcAft>
+              <a:buNone/>
+            </a:pPr>
+            <a:r>
+              <a:rPr lang="de-DE">
+                <a:solidFill>
+                  <a:schemeClr val="dk1"/>
+                </a:solidFill>
+              </a:rPr>
+              <a:t>Padlock Token 7.12.2020  </a:t>
+            </a:r>
+            <a:r>
+              <a:rPr lang="de-DE"/>
+              <a:t>Mtr.-Nr. 7758894, 9810347, 8810048   </a:t>
+            </a:r>
+            <a:endParaRPr/>
+          </a:p>
         </p:txBody>
       </p:sp>
     </p:spTree>
@@ -9678,7 +9670,7 @@
     </p:bg>
     <p:spTree>
       <p:nvGrpSpPr>
-        <p:cNvPr id="74" name="Shape 74"/>
+        <p:cNvPr id="73" name="Shape 73"/>
         <p:cNvGrpSpPr/>
         <p:nvPr/>
       </p:nvGrpSpPr>
@@ -9692,7 +9684,7 @@
       </p:grpSpPr>
       <p:sp>
         <p:nvSpPr>
-          <p:cNvPr id="75" name="Google Shape;75;p14"/>
+          <p:cNvPr id="74" name="Google Shape;74;p14"/>
           <p:cNvSpPr/>
           <p:nvPr/>
         </p:nvSpPr>
@@ -9735,7 +9727,7 @@
       </p:sp>
       <p:sp>
         <p:nvSpPr>
-          <p:cNvPr id="76" name="Google Shape;76;p14"/>
+          <p:cNvPr id="75" name="Google Shape;75;p14"/>
           <p:cNvSpPr txBox="1"/>
           <p:nvPr/>
         </p:nvSpPr>
@@ -9796,7 +9788,7 @@
       </p:sp>
       <p:sp>
         <p:nvSpPr>
-          <p:cNvPr id="77" name="Google Shape;77;p14"/>
+          <p:cNvPr id="76" name="Google Shape;76;p14"/>
           <p:cNvSpPr/>
           <p:nvPr/>
         </p:nvSpPr>
@@ -9839,7 +9831,7 @@
       </p:sp>
       <p:sp>
         <p:nvSpPr>
-          <p:cNvPr id="78" name="Google Shape;78;p14"/>
+          <p:cNvPr id="77" name="Google Shape;77;p14"/>
           <p:cNvSpPr/>
           <p:nvPr/>
         </p:nvSpPr>
@@ -9889,7 +9881,7 @@
       </p:sp>
       <p:pic>
         <p:nvPicPr>
-          <p:cNvPr id="79" name="Google Shape;79;p14"/>
+          <p:cNvPr id="78" name="Google Shape;78;p14"/>
           <p:cNvPicPr preferRelativeResize="0"/>
           <p:nvPr/>
         </p:nvPicPr>
@@ -9916,7 +9908,7 @@
       </p:pic>
       <p:grpSp>
         <p:nvGrpSpPr>
-          <p:cNvPr id="80" name="Google Shape;80;p14"/>
+          <p:cNvPr id="79" name="Google Shape;79;p14"/>
           <p:cNvGrpSpPr/>
           <p:nvPr/>
         </p:nvGrpSpPr>
@@ -9930,7 +9922,7 @@
         </p:grpSpPr>
         <p:sp>
           <p:nvSpPr>
-            <p:cNvPr id="81" name="Google Shape;81;p14"/>
+            <p:cNvPr id="80" name="Google Shape;80;p14"/>
             <p:cNvSpPr/>
             <p:nvPr/>
           </p:nvSpPr>
@@ -9973,7 +9965,7 @@
         </p:sp>
         <p:sp>
           <p:nvSpPr>
-            <p:cNvPr id="82" name="Google Shape;82;p14"/>
+            <p:cNvPr id="81" name="Google Shape;81;p14"/>
             <p:cNvSpPr/>
             <p:nvPr/>
           </p:nvSpPr>
@@ -10016,7 +10008,7 @@
         </p:sp>
         <p:sp>
           <p:nvSpPr>
-            <p:cNvPr id="83" name="Google Shape;83;p14"/>
+            <p:cNvPr id="82" name="Google Shape;82;p14"/>
             <p:cNvSpPr/>
             <p:nvPr/>
           </p:nvSpPr>
@@ -10066,7 +10058,7 @@
 </p:sld>
 </file>
 
-<file path=ppt/slides/slide2.xml><?xml version="1.0" encoding="utf-8"?>
+<file path=ppt/slides/slide10.xml><?xml version="1.0" encoding="utf-8"?>
 <p:sld xmlns:a="http://schemas.openxmlformats.org/drawingml/2006/main" xmlns:r="http://schemas.openxmlformats.org/officeDocument/2006/relationships" xmlns:mc="http://schemas.openxmlformats.org/markup-compatibility/2006" xmlns:mv="urn:schemas-microsoft-com:mac:vml" xmlns:p="http://schemas.openxmlformats.org/presentationml/2006/main" xmlns:c="http://schemas.openxmlformats.org/drawingml/2006/chart" xmlns:dgm="http://schemas.openxmlformats.org/drawingml/2006/diagram" xmlns:o="urn:schemas-microsoft-com:office:office" xmlns:v="urn:schemas-microsoft-com:vml" xmlns:pvml="urn:schemas-microsoft-com:office:powerpoint" xmlns:com="http://schemas.openxmlformats.org/drawingml/2006/compatibility" xmlns:p14="http://schemas.microsoft.com/office/powerpoint/2010/main" xmlns:p15="http://schemas.microsoft.com/office/powerpoint/2012/main" xmlns:ahyp="http://schemas.microsoft.com/office/drawing/2018/hyperlinkcolor">
   <p:cSld>
     <p:bg>
@@ -10078,7 +10070,7 @@
     </p:bg>
     <p:spTree>
       <p:nvGrpSpPr>
-        <p:cNvPr id="87" name="Shape 87"/>
+        <p:cNvPr id="189" name="Shape 189"/>
         <p:cNvGrpSpPr/>
         <p:nvPr/>
       </p:nvGrpSpPr>
@@ -10092,7 +10084,7 @@
       </p:grpSpPr>
       <p:sp>
         <p:nvSpPr>
-          <p:cNvPr id="88" name="Google Shape;88;p15"/>
+          <p:cNvPr id="190" name="Google Shape;190;p23"/>
           <p:cNvSpPr/>
           <p:nvPr/>
         </p:nvSpPr>
@@ -10135,7 +10127,7 @@
       </p:sp>
       <p:grpSp>
         <p:nvGrpSpPr>
-          <p:cNvPr id="89" name="Google Shape;89;p15"/>
+          <p:cNvPr id="191" name="Google Shape;191;p23"/>
           <p:cNvGrpSpPr/>
           <p:nvPr/>
         </p:nvGrpSpPr>
@@ -10149,7 +10141,7 @@
         </p:grpSpPr>
         <p:sp>
           <p:nvSpPr>
-            <p:cNvPr id="90" name="Google Shape;90;p15"/>
+            <p:cNvPr id="192" name="Google Shape;192;p23"/>
             <p:cNvSpPr/>
             <p:nvPr/>
           </p:nvSpPr>
@@ -10192,7 +10184,7 @@
         </p:sp>
         <p:sp>
           <p:nvSpPr>
-            <p:cNvPr id="91" name="Google Shape;91;p15"/>
+            <p:cNvPr id="193" name="Google Shape;193;p23"/>
             <p:cNvSpPr/>
             <p:nvPr/>
           </p:nvSpPr>
@@ -10235,7 +10227,380 @@
         </p:sp>
         <p:sp>
           <p:nvSpPr>
-            <p:cNvPr id="92" name="Google Shape;92;p15"/>
+            <p:cNvPr id="194" name="Google Shape;194;p23"/>
+            <p:cNvSpPr/>
+            <p:nvPr/>
+          </p:nvSpPr>
+          <p:spPr>
+            <a:xfrm>
+              <a:off x="11996280" y="3154320"/>
+              <a:ext cx="195600" cy="673200"/>
+            </a:xfrm>
+            <a:prstGeom prst="rect">
+              <a:avLst/>
+            </a:prstGeom>
+            <a:solidFill>
+              <a:schemeClr val="accent4"/>
+            </a:solidFill>
+            <a:ln>
+              <a:noFill/>
+            </a:ln>
+          </p:spPr>
+          <p:txBody>
+            <a:bodyPr anchorCtr="0" anchor="ctr" bIns="91425" lIns="91425" spcFirstLastPara="1" rIns="91425" wrap="square" tIns="91425">
+              <a:noAutofit/>
+            </a:bodyPr>
+            <a:lstStyle/>
+            <a:p>
+              <a:pPr indent="0" lvl="0" marL="0" rtl="0" algn="l">
+                <a:spcBef>
+                  <a:spcPts val="0"/>
+                </a:spcBef>
+                <a:spcAft>
+                  <a:spcPts val="0"/>
+                </a:spcAft>
+                <a:buNone/>
+              </a:pPr>
+              <a:r>
+                <a:t/>
+              </a:r>
+              <a:endParaRPr/>
+            </a:p>
+          </p:txBody>
+        </p:sp>
+      </p:grpSp>
+      <p:sp>
+        <p:nvSpPr>
+          <p:cNvPr id="195" name="Google Shape;195;p23"/>
+          <p:cNvSpPr txBox="1"/>
+          <p:nvPr/>
+        </p:nvSpPr>
+        <p:spPr>
+          <a:xfrm>
+            <a:off x="3191250" y="1723200"/>
+            <a:ext cx="6794700" cy="2104200"/>
+          </a:xfrm>
+          <a:prstGeom prst="rect">
+            <a:avLst/>
+          </a:prstGeom>
+          <a:noFill/>
+          <a:ln>
+            <a:noFill/>
+          </a:ln>
+        </p:spPr>
+        <p:txBody>
+          <a:bodyPr anchorCtr="0" anchor="ctr" bIns="45700" lIns="91425" spcFirstLastPara="1" rIns="91425" wrap="square" tIns="45700">
+            <a:noAutofit/>
+          </a:bodyPr>
+          <a:lstStyle/>
+          <a:p>
+            <a:pPr indent="0" lvl="0" marL="0" marR="0" rtl="0" algn="l">
+              <a:lnSpc>
+                <a:spcPct val="90000"/>
+              </a:lnSpc>
+              <a:spcBef>
+                <a:spcPts val="0"/>
+              </a:spcBef>
+              <a:spcAft>
+                <a:spcPts val="0"/>
+              </a:spcAft>
+              <a:buNone/>
+            </a:pPr>
+            <a:r>
+              <a:rPr lang="de-DE" sz="5600">
+                <a:latin typeface="Calibri"/>
+                <a:ea typeface="Calibri"/>
+                <a:cs typeface="Calibri"/>
+                <a:sym typeface="Calibri"/>
+              </a:rPr>
+              <a:t>Vielen Dank für</a:t>
+            </a:r>
+            <a:endParaRPr sz="5600">
+              <a:latin typeface="Calibri"/>
+              <a:ea typeface="Calibri"/>
+              <a:cs typeface="Calibri"/>
+              <a:sym typeface="Calibri"/>
+            </a:endParaRPr>
+          </a:p>
+          <a:p>
+            <a:pPr indent="0" lvl="0" marL="0" marR="0" rtl="0" algn="l">
+              <a:lnSpc>
+                <a:spcPct val="90000"/>
+              </a:lnSpc>
+              <a:spcBef>
+                <a:spcPts val="0"/>
+              </a:spcBef>
+              <a:spcAft>
+                <a:spcPts val="0"/>
+              </a:spcAft>
+              <a:buNone/>
+            </a:pPr>
+            <a:r>
+              <a:rPr lang="de-DE" sz="5600">
+                <a:latin typeface="Calibri"/>
+                <a:ea typeface="Calibri"/>
+                <a:cs typeface="Calibri"/>
+                <a:sym typeface="Calibri"/>
+              </a:rPr>
+              <a:t> eure Aufmerksamkeit</a:t>
+            </a:r>
+            <a:endParaRPr b="0" i="0" sz="5600" u="none" cap="none" strike="noStrike">
+              <a:solidFill>
+                <a:srgbClr val="000000"/>
+              </a:solidFill>
+              <a:latin typeface="Calibri"/>
+              <a:ea typeface="Calibri"/>
+              <a:cs typeface="Calibri"/>
+              <a:sym typeface="Calibri"/>
+            </a:endParaRPr>
+          </a:p>
+        </p:txBody>
+      </p:sp>
+      <p:pic>
+        <p:nvPicPr>
+          <p:cNvPr id="196" name="Google Shape;196;p23"/>
+          <p:cNvPicPr preferRelativeResize="0"/>
+          <p:nvPr/>
+        </p:nvPicPr>
+        <p:blipFill rotWithShape="1">
+          <a:blip r:embed="rId3">
+            <a:alphaModFix/>
+          </a:blip>
+          <a:srcRect b="4742" l="0" r="0" t="971"/>
+          <a:stretch/>
+        </p:blipFill>
+        <p:spPr>
+          <a:xfrm>
+            <a:off x="9144360" y="4392360"/>
+            <a:ext cx="2217959" cy="2189880"/>
+          </a:xfrm>
+          <a:prstGeom prst="rect">
+            <a:avLst/>
+          </a:prstGeom>
+          <a:noFill/>
+          <a:ln>
+            <a:noFill/>
+          </a:ln>
+        </p:spPr>
+      </p:pic>
+      <p:sp>
+        <p:nvSpPr>
+          <p:cNvPr id="197" name="Google Shape;197;p23"/>
+          <p:cNvSpPr txBox="1"/>
+          <p:nvPr>
+            <p:ph idx="12" type="sldNum"/>
+          </p:nvPr>
+        </p:nvSpPr>
+        <p:spPr>
+          <a:xfrm>
+            <a:off x="11409045" y="6333134"/>
+            <a:ext cx="731700" cy="525000"/>
+          </a:xfrm>
+          <a:prstGeom prst="rect">
+            <a:avLst/>
+          </a:prstGeom>
+        </p:spPr>
+        <p:txBody>
+          <a:bodyPr anchorCtr="0" anchor="t" bIns="45700" lIns="91425" spcFirstLastPara="1" rIns="91425" wrap="square" tIns="45700">
+            <a:noAutofit/>
+          </a:bodyPr>
+          <a:lstStyle/>
+          <a:p>
+            <a:pPr indent="0" lvl="0" marL="0" rtl="0" algn="r">
+              <a:spcBef>
+                <a:spcPts val="0"/>
+              </a:spcBef>
+              <a:spcAft>
+                <a:spcPts val="0"/>
+              </a:spcAft>
+              <a:buNone/>
+            </a:pPr>
+            <a:fld id="{00000000-1234-1234-1234-123412341234}" type="slidenum">
+              <a:rPr lang="de-DE"/>
+              <a:t>‹#›</a:t>
+            </a:fld>
+            <a:endParaRPr/>
+          </a:p>
+        </p:txBody>
+      </p:sp>
+    </p:spTree>
+  </p:cSld>
+  <p:clrMapOvr>
+    <a:masterClrMapping/>
+  </p:clrMapOvr>
+</p:sld>
+</file>
+
+<file path=ppt/slides/slide2.xml><?xml version="1.0" encoding="utf-8"?>
+<p:sld xmlns:a="http://schemas.openxmlformats.org/drawingml/2006/main" xmlns:r="http://schemas.openxmlformats.org/officeDocument/2006/relationships" xmlns:mc="http://schemas.openxmlformats.org/markup-compatibility/2006" xmlns:mv="urn:schemas-microsoft-com:mac:vml" xmlns:p="http://schemas.openxmlformats.org/presentationml/2006/main" xmlns:c="http://schemas.openxmlformats.org/drawingml/2006/chart" xmlns:dgm="http://schemas.openxmlformats.org/drawingml/2006/diagram" xmlns:o="urn:schemas-microsoft-com:office:office" xmlns:v="urn:schemas-microsoft-com:vml" xmlns:pvml="urn:schemas-microsoft-com:office:powerpoint" xmlns:com="http://schemas.openxmlformats.org/drawingml/2006/compatibility" xmlns:p14="http://schemas.microsoft.com/office/powerpoint/2010/main" xmlns:p15="http://schemas.microsoft.com/office/powerpoint/2012/main" xmlns:ahyp="http://schemas.microsoft.com/office/drawing/2018/hyperlinkcolor">
+  <p:cSld>
+    <p:bg>
+      <p:bgPr>
+        <a:solidFill>
+          <a:srgbClr val="FFFFFF"/>
+        </a:solidFill>
+      </p:bgPr>
+    </p:bg>
+    <p:spTree>
+      <p:nvGrpSpPr>
+        <p:cNvPr id="86" name="Shape 86"/>
+        <p:cNvGrpSpPr/>
+        <p:nvPr/>
+      </p:nvGrpSpPr>
+      <p:grpSpPr>
+        <a:xfrm>
+          <a:off x="0" y="0"/>
+          <a:ext cx="0" cy="0"/>
+          <a:chOff x="0" y="0"/>
+          <a:chExt cx="0" cy="0"/>
+        </a:xfrm>
+      </p:grpSpPr>
+      <p:sp>
+        <p:nvSpPr>
+          <p:cNvPr id="87" name="Google Shape;87;p15"/>
+          <p:cNvSpPr/>
+          <p:nvPr/>
+        </p:nvSpPr>
+        <p:spPr>
+          <a:xfrm flipH="1">
+            <a:off x="0" y="0"/>
+            <a:ext cx="1494000" cy="6857700"/>
+          </a:xfrm>
+          <a:prstGeom prst="rect">
+            <a:avLst/>
+          </a:prstGeom>
+          <a:solidFill>
+            <a:schemeClr val="accent4"/>
+          </a:solidFill>
+          <a:ln>
+            <a:noFill/>
+          </a:ln>
+        </p:spPr>
+        <p:txBody>
+          <a:bodyPr anchorCtr="0" anchor="ctr" bIns="91425" lIns="91425" spcFirstLastPara="1" rIns="91425" wrap="square" tIns="91425">
+            <a:noAutofit/>
+          </a:bodyPr>
+          <a:lstStyle/>
+          <a:p>
+            <a:pPr indent="0" lvl="0" marL="0" rtl="0" algn="l">
+              <a:spcBef>
+                <a:spcPts val="0"/>
+              </a:spcBef>
+              <a:spcAft>
+                <a:spcPts val="0"/>
+              </a:spcAft>
+              <a:buNone/>
+            </a:pPr>
+            <a:r>
+              <a:t/>
+            </a:r>
+            <a:endParaRPr/>
+          </a:p>
+        </p:txBody>
+      </p:sp>
+      <p:grpSp>
+        <p:nvGrpSpPr>
+          <p:cNvPr id="88" name="Google Shape;88;p15"/>
+          <p:cNvGrpSpPr/>
+          <p:nvPr/>
+        </p:nvGrpSpPr>
+        <p:grpSpPr>
+          <a:xfrm>
+            <a:off x="11460600" y="3154320"/>
+            <a:ext cx="731280" cy="673200"/>
+            <a:chOff x="11460600" y="3154320"/>
+            <a:chExt cx="731280" cy="673200"/>
+          </a:xfrm>
+        </p:grpSpPr>
+        <p:sp>
+          <p:nvSpPr>
+            <p:cNvPr id="89" name="Google Shape;89;p15"/>
+            <p:cNvSpPr/>
+            <p:nvPr/>
+          </p:nvSpPr>
+          <p:spPr>
+            <a:xfrm>
+              <a:off x="11460600" y="3154320"/>
+              <a:ext cx="195600" cy="673200"/>
+            </a:xfrm>
+            <a:prstGeom prst="rect">
+              <a:avLst/>
+            </a:prstGeom>
+            <a:solidFill>
+              <a:schemeClr val="accent4"/>
+            </a:solidFill>
+            <a:ln>
+              <a:noFill/>
+            </a:ln>
+          </p:spPr>
+          <p:txBody>
+            <a:bodyPr anchorCtr="0" anchor="ctr" bIns="91425" lIns="91425" spcFirstLastPara="1" rIns="91425" wrap="square" tIns="91425">
+              <a:noAutofit/>
+            </a:bodyPr>
+            <a:lstStyle/>
+            <a:p>
+              <a:pPr indent="0" lvl="0" marL="0" rtl="0" algn="l">
+                <a:spcBef>
+                  <a:spcPts val="0"/>
+                </a:spcBef>
+                <a:spcAft>
+                  <a:spcPts val="0"/>
+                </a:spcAft>
+                <a:buNone/>
+              </a:pPr>
+              <a:r>
+                <a:t/>
+              </a:r>
+              <a:endParaRPr/>
+            </a:p>
+          </p:txBody>
+        </p:sp>
+        <p:sp>
+          <p:nvSpPr>
+            <p:cNvPr id="90" name="Google Shape;90;p15"/>
+            <p:cNvSpPr/>
+            <p:nvPr/>
+          </p:nvSpPr>
+          <p:spPr>
+            <a:xfrm>
+              <a:off x="11728440" y="3154320"/>
+              <a:ext cx="195600" cy="673200"/>
+            </a:xfrm>
+            <a:prstGeom prst="rect">
+              <a:avLst/>
+            </a:prstGeom>
+            <a:solidFill>
+              <a:schemeClr val="accent4"/>
+            </a:solidFill>
+            <a:ln>
+              <a:noFill/>
+            </a:ln>
+          </p:spPr>
+          <p:txBody>
+            <a:bodyPr anchorCtr="0" anchor="ctr" bIns="91425" lIns="91425" spcFirstLastPara="1" rIns="91425" wrap="square" tIns="91425">
+              <a:noAutofit/>
+            </a:bodyPr>
+            <a:lstStyle/>
+            <a:p>
+              <a:pPr indent="0" lvl="0" marL="0" rtl="0" algn="l">
+                <a:spcBef>
+                  <a:spcPts val="0"/>
+                </a:spcBef>
+                <a:spcAft>
+                  <a:spcPts val="0"/>
+                </a:spcAft>
+                <a:buNone/>
+              </a:pPr>
+              <a:r>
+                <a:t/>
+              </a:r>
+              <a:endParaRPr/>
+            </a:p>
+          </p:txBody>
+        </p:sp>
+        <p:sp>
+          <p:nvSpPr>
+            <p:cNvPr id="91" name="Google Shape;91;p15"/>
             <p:cNvSpPr/>
             <p:nvPr/>
           </p:nvSpPr>
@@ -10279,7 +10644,7 @@
       </p:grpSp>
       <p:pic>
         <p:nvPicPr>
-          <p:cNvPr id="93" name="Google Shape;93;p15"/>
+          <p:cNvPr id="92" name="Google Shape;92;p15"/>
           <p:cNvPicPr preferRelativeResize="0"/>
           <p:nvPr/>
         </p:nvPicPr>
@@ -10306,7 +10671,7 @@
       </p:pic>
       <p:sp>
         <p:nvSpPr>
-          <p:cNvPr id="94" name="Google Shape;94;p15"/>
+          <p:cNvPr id="93" name="Google Shape;93;p15"/>
           <p:cNvSpPr txBox="1"/>
           <p:nvPr/>
         </p:nvSpPr>
@@ -10348,7 +10713,7 @@
       </p:sp>
       <p:sp>
         <p:nvSpPr>
-          <p:cNvPr id="95" name="Google Shape;95;p15"/>
+          <p:cNvPr id="94" name="Google Shape;94;p15"/>
           <p:cNvSpPr txBox="1"/>
           <p:nvPr/>
         </p:nvSpPr>
@@ -10553,7 +10918,7 @@
       </p:sp>
       <p:sp>
         <p:nvSpPr>
-          <p:cNvPr id="96" name="Google Shape;96;p15"/>
+          <p:cNvPr id="95" name="Google Shape;95;p15"/>
           <p:cNvSpPr txBox="1"/>
           <p:nvPr>
             <p:ph idx="12" type="sldNum"/>
@@ -10611,7 +10976,7 @@
     </p:bg>
     <p:spTree>
       <p:nvGrpSpPr>
-        <p:cNvPr id="100" name="Shape 100"/>
+        <p:cNvPr id="99" name="Shape 99"/>
         <p:cNvGrpSpPr/>
         <p:nvPr/>
       </p:nvGrpSpPr>
@@ -10625,7 +10990,7 @@
       </p:grpSpPr>
       <p:sp>
         <p:nvSpPr>
-          <p:cNvPr id="101" name="Google Shape;101;p16"/>
+          <p:cNvPr id="100" name="Google Shape;100;p16"/>
           <p:cNvSpPr/>
           <p:nvPr/>
         </p:nvSpPr>
@@ -10668,7 +11033,7 @@
       </p:sp>
       <p:grpSp>
         <p:nvGrpSpPr>
-          <p:cNvPr id="102" name="Google Shape;102;p16"/>
+          <p:cNvPr id="101" name="Google Shape;101;p16"/>
           <p:cNvGrpSpPr/>
           <p:nvPr/>
         </p:nvGrpSpPr>
@@ -10682,7 +11047,7 @@
         </p:grpSpPr>
         <p:sp>
           <p:nvSpPr>
-            <p:cNvPr id="103" name="Google Shape;103;p16"/>
+            <p:cNvPr id="102" name="Google Shape;102;p16"/>
             <p:cNvSpPr/>
             <p:nvPr/>
           </p:nvSpPr>
@@ -10725,7 +11090,7 @@
         </p:sp>
         <p:sp>
           <p:nvSpPr>
-            <p:cNvPr id="104" name="Google Shape;104;p16"/>
+            <p:cNvPr id="103" name="Google Shape;103;p16"/>
             <p:cNvSpPr/>
             <p:nvPr/>
           </p:nvSpPr>
@@ -10768,7 +11133,7 @@
         </p:sp>
         <p:sp>
           <p:nvSpPr>
-            <p:cNvPr id="105" name="Google Shape;105;p16"/>
+            <p:cNvPr id="104" name="Google Shape;104;p16"/>
             <p:cNvSpPr/>
             <p:nvPr/>
           </p:nvSpPr>
@@ -10812,7 +11177,7 @@
       </p:grpSp>
       <p:pic>
         <p:nvPicPr>
-          <p:cNvPr id="106" name="Google Shape;106;p16"/>
+          <p:cNvPr id="105" name="Google Shape;105;p16"/>
           <p:cNvPicPr preferRelativeResize="0"/>
           <p:nvPr/>
         </p:nvPicPr>
@@ -10839,7 +11204,7 @@
       </p:pic>
       <p:sp>
         <p:nvSpPr>
-          <p:cNvPr id="107" name="Google Shape;107;p16"/>
+          <p:cNvPr id="106" name="Google Shape;106;p16"/>
           <p:cNvSpPr txBox="1"/>
           <p:nvPr/>
         </p:nvSpPr>
@@ -10881,7 +11246,7 @@
       </p:sp>
       <p:sp>
         <p:nvSpPr>
-          <p:cNvPr id="108" name="Google Shape;108;p16"/>
+          <p:cNvPr id="107" name="Google Shape;107;p16"/>
           <p:cNvSpPr txBox="1"/>
           <p:nvPr/>
         </p:nvSpPr>
@@ -11030,7 +11395,7 @@
       </p:sp>
       <p:sp>
         <p:nvSpPr>
-          <p:cNvPr id="109" name="Google Shape;109;p16"/>
+          <p:cNvPr id="108" name="Google Shape;108;p16"/>
           <p:cNvSpPr txBox="1"/>
           <p:nvPr>
             <p:ph idx="12" type="sldNum"/>
@@ -11088,7 +11453,7 @@
     </p:bg>
     <p:spTree>
       <p:nvGrpSpPr>
-        <p:cNvPr id="113" name="Shape 113"/>
+        <p:cNvPr id="112" name="Shape 112"/>
         <p:cNvGrpSpPr/>
         <p:nvPr/>
       </p:nvGrpSpPr>
@@ -11102,7 +11467,7 @@
       </p:grpSpPr>
       <p:sp>
         <p:nvSpPr>
-          <p:cNvPr id="114" name="Google Shape;114;p17"/>
+          <p:cNvPr id="113" name="Google Shape;113;p17"/>
           <p:cNvSpPr/>
           <p:nvPr/>
         </p:nvSpPr>
@@ -11145,7 +11510,7 @@
       </p:sp>
       <p:grpSp>
         <p:nvGrpSpPr>
-          <p:cNvPr id="115" name="Google Shape;115;p17"/>
+          <p:cNvPr id="114" name="Google Shape;114;p17"/>
           <p:cNvGrpSpPr/>
           <p:nvPr/>
         </p:nvGrpSpPr>
@@ -11159,7 +11524,7 @@
         </p:grpSpPr>
         <p:sp>
           <p:nvSpPr>
-            <p:cNvPr id="116" name="Google Shape;116;p17"/>
+            <p:cNvPr id="115" name="Google Shape;115;p17"/>
             <p:cNvSpPr/>
             <p:nvPr/>
           </p:nvSpPr>
@@ -11202,7 +11567,7 @@
         </p:sp>
         <p:sp>
           <p:nvSpPr>
-            <p:cNvPr id="117" name="Google Shape;117;p17"/>
+            <p:cNvPr id="116" name="Google Shape;116;p17"/>
             <p:cNvSpPr/>
             <p:nvPr/>
           </p:nvSpPr>
@@ -11245,7 +11610,7 @@
         </p:sp>
         <p:sp>
           <p:nvSpPr>
-            <p:cNvPr id="118" name="Google Shape;118;p17"/>
+            <p:cNvPr id="117" name="Google Shape;117;p17"/>
             <p:cNvSpPr/>
             <p:nvPr/>
           </p:nvSpPr>
@@ -11289,7 +11654,7 @@
       </p:grpSp>
       <p:sp>
         <p:nvSpPr>
-          <p:cNvPr id="119" name="Google Shape;119;p17"/>
+          <p:cNvPr id="118" name="Google Shape;118;p17"/>
           <p:cNvSpPr txBox="1"/>
           <p:nvPr/>
         </p:nvSpPr>
@@ -11325,16 +11690,13 @@
               <a:buNone/>
             </a:pPr>
             <a:r>
-              <a:rPr b="0" i="0" lang="de-DE" sz="4400" u="none" cap="none" strike="noStrike">
-                <a:solidFill>
-                  <a:srgbClr val="000000"/>
-                </a:solidFill>
+              <a:rPr lang="de-DE" sz="4400">
                 <a:latin typeface="Calibri"/>
                 <a:ea typeface="Calibri"/>
                 <a:cs typeface="Calibri"/>
                 <a:sym typeface="Calibri"/>
               </a:rPr>
-              <a:t>Schlüssel und Schlösser</a:t>
+              <a:t>Aktuelle Schlüssel-Schlosssysteme</a:t>
             </a:r>
             <a:endParaRPr b="0" i="0" sz="4400" u="none" cap="none" strike="noStrike">
               <a:solidFill>
@@ -11350,7 +11712,7 @@
       </p:sp>
       <p:sp>
         <p:nvSpPr>
-          <p:cNvPr id="120" name="Google Shape;120;p17"/>
+          <p:cNvPr id="119" name="Google Shape;119;p17"/>
           <p:cNvSpPr txBox="1"/>
           <p:nvPr/>
         </p:nvSpPr>
@@ -11426,16 +11788,13 @@
               <a:buChar char="•"/>
             </a:pPr>
             <a:r>
-              <a:rPr b="0" i="0" lang="de-DE" sz="2800" u="none" cap="none" strike="noStrike">
-                <a:solidFill>
-                  <a:srgbClr val="000000"/>
-                </a:solidFill>
+              <a:rPr lang="de-DE" sz="2800">
                 <a:latin typeface="Calibri"/>
                 <a:ea typeface="Calibri"/>
                 <a:cs typeface="Calibri"/>
                 <a:sym typeface="Calibri"/>
               </a:rPr>
-              <a:t>Low security</a:t>
+              <a:t>Sicherheitslücken</a:t>
             </a:r>
             <a:endParaRPr b="0" i="0" sz="2800" u="none" cap="none" strike="noStrike">
               <a:solidFill>
@@ -11555,47 +11914,7 @@
                 <a:cs typeface="Calibri"/>
                 <a:sym typeface="Calibri"/>
               </a:rPr>
-              <a:t>Kein Wireless</a:t>
-            </a:r>
-            <a:endParaRPr b="0" i="0" sz="2800" u="none" cap="none" strike="noStrike">
-              <a:solidFill>
-                <a:srgbClr val="000000"/>
-              </a:solidFill>
-              <a:latin typeface="Calibri"/>
-              <a:ea typeface="Calibri"/>
-              <a:cs typeface="Calibri"/>
-              <a:sym typeface="Calibri"/>
-            </a:endParaRPr>
-          </a:p>
-          <a:p>
-            <a:pPr indent="-228240" lvl="0" marL="228600" marR="0" rtl="0" algn="l">
-              <a:lnSpc>
-                <a:spcPct val="90000"/>
-              </a:lnSpc>
-              <a:spcBef>
-                <a:spcPts val="1001"/>
-              </a:spcBef>
-              <a:spcAft>
-                <a:spcPts val="0"/>
-              </a:spcAft>
-              <a:buClr>
-                <a:srgbClr val="000000"/>
-              </a:buClr>
-              <a:buSzPts val="2800"/>
-              <a:buFont typeface="Arial"/>
-              <a:buChar char="•"/>
-            </a:pPr>
-            <a:r>
-              <a:rPr b="0" i="0" lang="de-DE" sz="2800" u="none" cap="none" strike="noStrike">
-                <a:solidFill>
-                  <a:srgbClr val="000000"/>
-                </a:solidFill>
-                <a:latin typeface="Calibri"/>
-                <a:ea typeface="Calibri"/>
-                <a:cs typeface="Calibri"/>
-                <a:sym typeface="Calibri"/>
-              </a:rPr>
-              <a:t>Nicht zukunftorientiert  </a:t>
+              <a:t>Nicht zukunftsorientiert  </a:t>
             </a:r>
             <a:endParaRPr b="0" i="0" sz="2800" u="none" cap="none" strike="noStrike">
               <a:solidFill>
@@ -11611,7 +11930,7 @@
       </p:sp>
       <p:pic>
         <p:nvPicPr>
-          <p:cNvPr id="121" name="Google Shape;121;p17"/>
+          <p:cNvPr id="120" name="Google Shape;120;p17"/>
           <p:cNvPicPr preferRelativeResize="0"/>
           <p:nvPr/>
         </p:nvPicPr>
@@ -11638,7 +11957,7 @@
       </p:pic>
       <p:sp>
         <p:nvSpPr>
-          <p:cNvPr id="122" name="Google Shape;122;p17"/>
+          <p:cNvPr id="121" name="Google Shape;121;p17"/>
           <p:cNvSpPr txBox="1"/>
           <p:nvPr>
             <p:ph idx="12" type="sldNum"/>
@@ -11696,7 +12015,7 @@
     </p:bg>
     <p:spTree>
       <p:nvGrpSpPr>
-        <p:cNvPr id="126" name="Shape 126"/>
+        <p:cNvPr id="125" name="Shape 125"/>
         <p:cNvGrpSpPr/>
         <p:nvPr/>
       </p:nvGrpSpPr>
@@ -11710,7 +12029,7 @@
       </p:grpSpPr>
       <p:sp>
         <p:nvSpPr>
-          <p:cNvPr id="127" name="Google Shape;127;p18"/>
+          <p:cNvPr id="126" name="Google Shape;126;p18"/>
           <p:cNvSpPr/>
           <p:nvPr/>
         </p:nvSpPr>
@@ -11753,7 +12072,7 @@
       </p:sp>
       <p:grpSp>
         <p:nvGrpSpPr>
-          <p:cNvPr id="128" name="Google Shape;128;p18"/>
+          <p:cNvPr id="127" name="Google Shape;127;p18"/>
           <p:cNvGrpSpPr/>
           <p:nvPr/>
         </p:nvGrpSpPr>
@@ -11767,7 +12086,7 @@
         </p:grpSpPr>
         <p:sp>
           <p:nvSpPr>
-            <p:cNvPr id="129" name="Google Shape;129;p18"/>
+            <p:cNvPr id="128" name="Google Shape;128;p18"/>
             <p:cNvSpPr/>
             <p:nvPr/>
           </p:nvSpPr>
@@ -11810,7 +12129,7 @@
         </p:sp>
         <p:sp>
           <p:nvSpPr>
-            <p:cNvPr id="130" name="Google Shape;130;p18"/>
+            <p:cNvPr id="129" name="Google Shape;129;p18"/>
             <p:cNvSpPr/>
             <p:nvPr/>
           </p:nvSpPr>
@@ -11853,7 +12172,7 @@
         </p:sp>
         <p:sp>
           <p:nvSpPr>
-            <p:cNvPr id="131" name="Google Shape;131;p18"/>
+            <p:cNvPr id="130" name="Google Shape;130;p18"/>
             <p:cNvSpPr/>
             <p:nvPr/>
           </p:nvSpPr>
@@ -11897,7 +12216,7 @@
       </p:grpSp>
       <p:sp>
         <p:nvSpPr>
-          <p:cNvPr id="132" name="Google Shape;132;p18"/>
+          <p:cNvPr id="131" name="Google Shape;131;p18"/>
           <p:cNvSpPr txBox="1"/>
           <p:nvPr/>
         </p:nvSpPr>
@@ -11958,7 +12277,7 @@
       </p:sp>
       <p:sp>
         <p:nvSpPr>
-          <p:cNvPr id="133" name="Google Shape;133;p18"/>
+          <p:cNvPr id="132" name="Google Shape;132;p18"/>
           <p:cNvSpPr txBox="1"/>
           <p:nvPr/>
         </p:nvSpPr>
@@ -12010,10 +12329,7 @@
               </a:rPr>
               <a:t>Löst alle Probleme der alten Technik</a:t>
             </a:r>
-            <a:endParaRPr b="0" i="0" sz="2800" u="none" cap="none" strike="noStrike">
-              <a:solidFill>
-                <a:srgbClr val="000000"/>
-              </a:solidFill>
+            <a:endParaRPr sz="2800">
               <a:latin typeface="Calibri"/>
               <a:ea typeface="Calibri"/>
               <a:cs typeface="Calibri"/>
@@ -12050,10 +12366,7 @@
               </a:rPr>
               <a:t>Hohe Sicherheit durch private Schlüssel und signierte Nachrichten</a:t>
             </a:r>
-            <a:endParaRPr b="0" i="0" sz="2800" u="none" cap="none" strike="noStrike">
-              <a:solidFill>
-                <a:srgbClr val="000000"/>
-              </a:solidFill>
+            <a:endParaRPr sz="2800">
               <a:latin typeface="Calibri"/>
               <a:ea typeface="Calibri"/>
               <a:cs typeface="Calibri"/>
@@ -12088,12 +12401,87 @@
                 <a:cs typeface="Calibri"/>
                 <a:sym typeface="Calibri"/>
               </a:rPr>
-              <a:t>Gespeichert im Wallet</a:t>
+              <a:t>Gespeichert im Wallet </a:t>
             </a:r>
-            <a:endParaRPr b="0" i="0" sz="2800" u="none" cap="none" strike="noStrike">
-              <a:solidFill>
-                <a:srgbClr val="000000"/>
-              </a:solidFill>
+            <a:endParaRPr sz="2800"/>
+          </a:p>
+          <a:p>
+            <a:pPr indent="-228240" lvl="0" marL="228600" marR="0" rtl="0" algn="l">
+              <a:lnSpc>
+                <a:spcPct val="90000"/>
+              </a:lnSpc>
+              <a:spcBef>
+                <a:spcPts val="1001"/>
+              </a:spcBef>
+              <a:spcAft>
+                <a:spcPts val="0"/>
+              </a:spcAft>
+              <a:buSzPts val="2800"/>
+              <a:buChar char="•"/>
+            </a:pPr>
+            <a:r>
+              <a:rPr lang="de-DE" sz="2800">
+                <a:latin typeface="Calibri"/>
+                <a:ea typeface="Calibri"/>
+                <a:cs typeface="Calibri"/>
+                <a:sym typeface="Calibri"/>
+              </a:rPr>
+              <a:t>Transparente Speicherung in Blockchain</a:t>
+            </a:r>
+            <a:endParaRPr sz="2800">
+              <a:latin typeface="Calibri"/>
+              <a:ea typeface="Calibri"/>
+              <a:cs typeface="Calibri"/>
+              <a:sym typeface="Calibri"/>
+            </a:endParaRPr>
+          </a:p>
+          <a:p>
+            <a:pPr indent="-228240" lvl="0" marL="228600" marR="0" rtl="0" algn="l">
+              <a:lnSpc>
+                <a:spcPct val="90000"/>
+              </a:lnSpc>
+              <a:spcBef>
+                <a:spcPts val="1001"/>
+              </a:spcBef>
+              <a:spcAft>
+                <a:spcPts val="0"/>
+              </a:spcAft>
+              <a:buSzPts val="2800"/>
+              <a:buChar char="•"/>
+            </a:pPr>
+            <a:r>
+              <a:rPr lang="de-DE" sz="2800">
+                <a:latin typeface="Calibri"/>
+                <a:ea typeface="Calibri"/>
+                <a:cs typeface="Calibri"/>
+                <a:sym typeface="Calibri"/>
+              </a:rPr>
+              <a:t>extra Sicherheit durch getrennte Systeme</a:t>
+            </a:r>
+            <a:endParaRPr sz="2800">
+              <a:latin typeface="Calibri"/>
+              <a:ea typeface="Calibri"/>
+              <a:cs typeface="Calibri"/>
+              <a:sym typeface="Calibri"/>
+            </a:endParaRPr>
+          </a:p>
+          <a:p>
+            <a:pPr indent="0" lvl="0" marL="0" marR="0" rtl="0" algn="l">
+              <a:lnSpc>
+                <a:spcPct val="90000"/>
+              </a:lnSpc>
+              <a:spcBef>
+                <a:spcPts val="1001"/>
+              </a:spcBef>
+              <a:spcAft>
+                <a:spcPts val="0"/>
+              </a:spcAft>
+              <a:buNone/>
+            </a:pPr>
+            <a:r>
+              <a:t/>
+            </a:r>
+            <a:endParaRPr sz="2800">
               <a:latin typeface="Calibri"/>
               <a:ea typeface="Calibri"/>
               <a:cs typeface="Calibri"/>
@@ -12104,7 +12492,7 @@
       </p:sp>
       <p:pic>
         <p:nvPicPr>
-          <p:cNvPr id="134" name="Google Shape;134;p18"/>
+          <p:cNvPr id="133" name="Google Shape;133;p18"/>
           <p:cNvPicPr preferRelativeResize="0"/>
           <p:nvPr/>
         </p:nvPicPr>
@@ -12131,7 +12519,7 @@
       </p:pic>
       <p:sp>
         <p:nvSpPr>
-          <p:cNvPr id="135" name="Google Shape;135;p18"/>
+          <p:cNvPr id="134" name="Google Shape;134;p18"/>
           <p:cNvSpPr txBox="1"/>
           <p:nvPr>
             <p:ph idx="12" type="sldNum"/>
@@ -12189,7 +12577,7 @@
     </p:bg>
     <p:spTree>
       <p:nvGrpSpPr>
-        <p:cNvPr id="139" name="Shape 139"/>
+        <p:cNvPr id="138" name="Shape 138"/>
         <p:cNvGrpSpPr/>
         <p:nvPr/>
       </p:nvGrpSpPr>
@@ -12203,7 +12591,7 @@
       </p:grpSpPr>
       <p:sp>
         <p:nvSpPr>
-          <p:cNvPr id="140" name="Google Shape;140;p19"/>
+          <p:cNvPr id="139" name="Google Shape;139;p19"/>
           <p:cNvSpPr/>
           <p:nvPr/>
         </p:nvSpPr>
@@ -12246,7 +12634,7 @@
       </p:sp>
       <p:grpSp>
         <p:nvGrpSpPr>
-          <p:cNvPr id="141" name="Google Shape;141;p19"/>
+          <p:cNvPr id="140" name="Google Shape;140;p19"/>
           <p:cNvGrpSpPr/>
           <p:nvPr/>
         </p:nvGrpSpPr>
@@ -12260,7 +12648,7 @@
         </p:grpSpPr>
         <p:sp>
           <p:nvSpPr>
-            <p:cNvPr id="142" name="Google Shape;142;p19"/>
+            <p:cNvPr id="141" name="Google Shape;141;p19"/>
             <p:cNvSpPr/>
             <p:nvPr/>
           </p:nvSpPr>
@@ -12303,7 +12691,7 @@
         </p:sp>
         <p:sp>
           <p:nvSpPr>
-            <p:cNvPr id="143" name="Google Shape;143;p19"/>
+            <p:cNvPr id="142" name="Google Shape;142;p19"/>
             <p:cNvSpPr/>
             <p:nvPr/>
           </p:nvSpPr>
@@ -12346,7 +12734,7 @@
         </p:sp>
         <p:sp>
           <p:nvSpPr>
-            <p:cNvPr id="144" name="Google Shape;144;p19"/>
+            <p:cNvPr id="143" name="Google Shape;143;p19"/>
             <p:cNvSpPr/>
             <p:nvPr/>
           </p:nvSpPr>
@@ -12390,7 +12778,7 @@
       </p:grpSp>
       <p:pic>
         <p:nvPicPr>
-          <p:cNvPr id="145" name="Google Shape;145;p19"/>
+          <p:cNvPr id="144" name="Google Shape;144;p19"/>
           <p:cNvPicPr preferRelativeResize="0"/>
           <p:nvPr/>
         </p:nvPicPr>
@@ -12417,7 +12805,7 @@
       </p:pic>
       <p:pic>
         <p:nvPicPr>
-          <p:cNvPr id="146" name="Google Shape;146;p19"/>
+          <p:cNvPr id="145" name="Google Shape;145;p19"/>
           <p:cNvPicPr preferRelativeResize="0"/>
           <p:nvPr/>
         </p:nvPicPr>
@@ -12445,7 +12833,7 @@
       </p:pic>
       <p:sp>
         <p:nvSpPr>
-          <p:cNvPr id="147" name="Google Shape;147;p19"/>
+          <p:cNvPr id="146" name="Google Shape;146;p19"/>
           <p:cNvSpPr txBox="1"/>
           <p:nvPr/>
         </p:nvSpPr>
@@ -12503,7 +12891,7 @@
       </p:sp>
       <p:sp>
         <p:nvSpPr>
-          <p:cNvPr id="148" name="Google Shape;148;p19"/>
+          <p:cNvPr id="147" name="Google Shape;147;p19"/>
           <p:cNvSpPr txBox="1"/>
           <p:nvPr>
             <p:ph idx="12" type="sldNum"/>
@@ -12561,7 +12949,7 @@
     </p:bg>
     <p:spTree>
       <p:nvGrpSpPr>
-        <p:cNvPr id="152" name="Shape 152"/>
+        <p:cNvPr id="151" name="Shape 151"/>
         <p:cNvGrpSpPr/>
         <p:nvPr/>
       </p:nvGrpSpPr>
@@ -12575,7 +12963,7 @@
       </p:grpSpPr>
       <p:sp>
         <p:nvSpPr>
-          <p:cNvPr id="153" name="Google Shape;153;p20"/>
+          <p:cNvPr id="152" name="Google Shape;152;p20"/>
           <p:cNvSpPr/>
           <p:nvPr/>
         </p:nvSpPr>
@@ -12618,7 +13006,7 @@
       </p:sp>
       <p:grpSp>
         <p:nvGrpSpPr>
-          <p:cNvPr id="154" name="Google Shape;154;p20"/>
+          <p:cNvPr id="153" name="Google Shape;153;p20"/>
           <p:cNvGrpSpPr/>
           <p:nvPr/>
         </p:nvGrpSpPr>
@@ -12632,7 +13020,7 @@
         </p:grpSpPr>
         <p:sp>
           <p:nvSpPr>
-            <p:cNvPr id="155" name="Google Shape;155;p20"/>
+            <p:cNvPr id="154" name="Google Shape;154;p20"/>
             <p:cNvSpPr/>
             <p:nvPr/>
           </p:nvSpPr>
@@ -12675,7 +13063,7 @@
         </p:sp>
         <p:sp>
           <p:nvSpPr>
-            <p:cNvPr id="156" name="Google Shape;156;p20"/>
+            <p:cNvPr id="155" name="Google Shape;155;p20"/>
             <p:cNvSpPr/>
             <p:nvPr/>
           </p:nvSpPr>
@@ -12718,7 +13106,7 @@
         </p:sp>
         <p:sp>
           <p:nvSpPr>
-            <p:cNvPr id="157" name="Google Shape;157;p20"/>
+            <p:cNvPr id="156" name="Google Shape;156;p20"/>
             <p:cNvSpPr/>
             <p:nvPr/>
           </p:nvSpPr>
@@ -12762,7 +13150,7 @@
       </p:grpSp>
       <p:sp>
         <p:nvSpPr>
-          <p:cNvPr id="158" name="Google Shape;158;p20"/>
+          <p:cNvPr id="157" name="Google Shape;157;p20"/>
           <p:cNvSpPr txBox="1"/>
           <p:nvPr/>
         </p:nvSpPr>
@@ -12820,7 +13208,7 @@
       </p:sp>
       <p:sp>
         <p:nvSpPr>
-          <p:cNvPr id="159" name="Google Shape;159;p20"/>
+          <p:cNvPr id="158" name="Google Shape;158;p20"/>
           <p:cNvSpPr txBox="1"/>
           <p:nvPr/>
         </p:nvSpPr>
@@ -12862,6 +13250,46 @@
             </a:pPr>
             <a:r>
               <a:rPr lang="de-DE" sz="2800">
+                <a:solidFill>
+                  <a:schemeClr val="dk1"/>
+                </a:solidFill>
+                <a:latin typeface="Calibri"/>
+                <a:ea typeface="Calibri"/>
+                <a:cs typeface="Calibri"/>
+                <a:sym typeface="Calibri"/>
+              </a:rPr>
+              <a:t>Initialisierung des lokalen Testsystems</a:t>
+            </a:r>
+            <a:endParaRPr sz="2800">
+              <a:solidFill>
+                <a:schemeClr val="dk1"/>
+              </a:solidFill>
+              <a:latin typeface="Calibri"/>
+              <a:ea typeface="Calibri"/>
+              <a:cs typeface="Calibri"/>
+              <a:sym typeface="Calibri"/>
+            </a:endParaRPr>
+          </a:p>
+          <a:p>
+            <a:pPr indent="-228240" lvl="0" marL="228600" marR="0" rtl="0" algn="l">
+              <a:lnSpc>
+                <a:spcPct val="90000"/>
+              </a:lnSpc>
+              <a:spcBef>
+                <a:spcPts val="1001"/>
+              </a:spcBef>
+              <a:spcAft>
+                <a:spcPts val="0"/>
+              </a:spcAft>
+              <a:buClr>
+                <a:srgbClr val="000000"/>
+              </a:buClr>
+              <a:buSzPts val="2800"/>
+              <a:buFont typeface="Arial"/>
+              <a:buChar char="•"/>
+            </a:pPr>
+            <a:r>
+              <a:rPr lang="de-DE" sz="2800">
                 <a:latin typeface="Calibri"/>
                 <a:ea typeface="Calibri"/>
                 <a:cs typeface="Calibri"/>
@@ -12869,10 +13297,7 @@
               </a:rPr>
               <a:t>Registrieren eines neuen Schlosses</a:t>
             </a:r>
-            <a:endParaRPr b="0" i="0" sz="2800" u="none" cap="none" strike="noStrike">
-              <a:solidFill>
-                <a:srgbClr val="000000"/>
-              </a:solidFill>
+            <a:endParaRPr sz="2800">
               <a:latin typeface="Calibri"/>
               <a:ea typeface="Calibri"/>
               <a:cs typeface="Calibri"/>
@@ -12941,45 +13366,17 @@
                 <a:cs typeface="Calibri"/>
                 <a:sym typeface="Calibri"/>
               </a:rPr>
-              <a:t>Übergeben eines Schlüssels</a:t>
+              <a:t>Transfer eines Schlüssels</a:t>
             </a:r>
-            <a:endParaRPr sz="2800">
-              <a:latin typeface="Calibri"/>
-              <a:ea typeface="Calibri"/>
-              <a:cs typeface="Calibri"/>
-              <a:sym typeface="Calibri"/>
-            </a:endParaRPr>
+            <a:endParaRPr sz="2800"/>
           </a:p>
           <a:p>
-            <a:pPr indent="0" lvl="0" marL="0" marR="0" rtl="0" algn="l">
+            <a:pPr indent="0" lvl="0" marL="0" rtl="0" algn="l">
               <a:lnSpc>
                 <a:spcPct val="90000"/>
               </a:lnSpc>
               <a:spcBef>
-                <a:spcPts val="1001"/>
-              </a:spcBef>
-              <a:spcAft>
-                <a:spcPts val="0"/>
-              </a:spcAft>
-              <a:buNone/>
-            </a:pPr>
-            <a:r>
-              <a:t/>
-            </a:r>
-            <a:endParaRPr sz="2800">
-              <a:latin typeface="Calibri"/>
-              <a:ea typeface="Calibri"/>
-              <a:cs typeface="Calibri"/>
-              <a:sym typeface="Calibri"/>
-            </a:endParaRPr>
-          </a:p>
-          <a:p>
-            <a:pPr indent="0" lvl="0" marL="0" marR="0" rtl="0" algn="l">
-              <a:lnSpc>
-                <a:spcPct val="90000"/>
-              </a:lnSpc>
-              <a:spcBef>
-                <a:spcPts val="1001"/>
+                <a:spcPts val="0"/>
               </a:spcBef>
               <a:spcAft>
                 <a:spcPts val="0"/>
@@ -13000,7 +13397,7 @@
       </p:sp>
       <p:pic>
         <p:nvPicPr>
-          <p:cNvPr id="160" name="Google Shape;160;p20"/>
+          <p:cNvPr id="159" name="Google Shape;159;p20"/>
           <p:cNvPicPr preferRelativeResize="0"/>
           <p:nvPr/>
         </p:nvPicPr>
@@ -13027,7 +13424,7 @@
       </p:pic>
       <p:sp>
         <p:nvSpPr>
-          <p:cNvPr id="161" name="Google Shape;161;p20"/>
+          <p:cNvPr id="160" name="Google Shape;160;p20"/>
           <p:cNvSpPr txBox="1"/>
           <p:nvPr>
             <p:ph idx="12" type="sldNum"/>
@@ -13085,7 +13482,7 @@
     </p:bg>
     <p:spTree>
       <p:nvGrpSpPr>
-        <p:cNvPr id="165" name="Shape 165"/>
+        <p:cNvPr id="164" name="Shape 164"/>
         <p:cNvGrpSpPr/>
         <p:nvPr/>
       </p:nvGrpSpPr>
@@ -13099,7 +13496,7 @@
       </p:grpSpPr>
       <p:sp>
         <p:nvSpPr>
-          <p:cNvPr id="166" name="Google Shape;166;p21"/>
+          <p:cNvPr id="165" name="Google Shape;165;p21"/>
           <p:cNvSpPr/>
           <p:nvPr/>
         </p:nvSpPr>
@@ -13142,7 +13539,7 @@
       </p:sp>
       <p:grpSp>
         <p:nvGrpSpPr>
-          <p:cNvPr id="167" name="Google Shape;167;p21"/>
+          <p:cNvPr id="166" name="Google Shape;166;p21"/>
           <p:cNvGrpSpPr/>
           <p:nvPr/>
         </p:nvGrpSpPr>
@@ -13156,7 +13553,7 @@
         </p:grpSpPr>
         <p:sp>
           <p:nvSpPr>
-            <p:cNvPr id="168" name="Google Shape;168;p21"/>
+            <p:cNvPr id="167" name="Google Shape;167;p21"/>
             <p:cNvSpPr/>
             <p:nvPr/>
           </p:nvSpPr>
@@ -13199,7 +13596,7 @@
         </p:sp>
         <p:sp>
           <p:nvSpPr>
-            <p:cNvPr id="169" name="Google Shape;169;p21"/>
+            <p:cNvPr id="168" name="Google Shape;168;p21"/>
             <p:cNvSpPr/>
             <p:nvPr/>
           </p:nvSpPr>
@@ -13242,7 +13639,7 @@
         </p:sp>
         <p:sp>
           <p:nvSpPr>
-            <p:cNvPr id="170" name="Google Shape;170;p21"/>
+            <p:cNvPr id="169" name="Google Shape;169;p21"/>
             <p:cNvSpPr/>
             <p:nvPr/>
           </p:nvSpPr>
@@ -13286,7 +13683,7 @@
       </p:grpSp>
       <p:sp>
         <p:nvSpPr>
-          <p:cNvPr id="171" name="Google Shape;171;p21"/>
+          <p:cNvPr id="170" name="Google Shape;170;p21"/>
           <p:cNvSpPr txBox="1"/>
           <p:nvPr/>
         </p:nvSpPr>
@@ -13344,7 +13741,7 @@
       </p:sp>
       <p:pic>
         <p:nvPicPr>
-          <p:cNvPr id="172" name="Google Shape;172;p21"/>
+          <p:cNvPr id="171" name="Google Shape;171;p21"/>
           <p:cNvPicPr preferRelativeResize="0"/>
           <p:nvPr/>
         </p:nvPicPr>
@@ -13371,7 +13768,7 @@
       </p:pic>
       <p:pic>
         <p:nvPicPr>
-          <p:cNvPr id="173" name="Google Shape;173;p21" title="Padlock-Token Getting started">
+          <p:cNvPr id="172" name="Google Shape;172;p21" title="Padlock-Token Getting started">
             <a:hlinkClick r:id="rId4"/>
           </p:cNvPr>
           <p:cNvPicPr preferRelativeResize="0"/>
@@ -13387,8 +13784,8 @@
         </p:blipFill>
         <p:spPr>
           <a:xfrm>
-            <a:off x="1885788" y="1370651"/>
-            <a:ext cx="6866776" cy="5150075"/>
+            <a:off x="1925275" y="1380525"/>
+            <a:ext cx="6866776" cy="4952600"/>
           </a:xfrm>
           <a:prstGeom prst="rect">
             <a:avLst/>
@@ -13401,7 +13798,7 @@
       </p:pic>
       <p:sp>
         <p:nvSpPr>
-          <p:cNvPr id="174" name="Google Shape;174;p21"/>
+          <p:cNvPr id="173" name="Google Shape;173;p21"/>
           <p:cNvSpPr txBox="1"/>
           <p:nvPr>
             <p:ph idx="12" type="sldNum"/>
@@ -13478,7 +13875,7 @@
                                           </p:stCondLst>
                                         </p:cTn>
                                         <p:tgtEl>
-                                          <p:spTgt spid="173"/>
+                                          <p:spTgt spid="172"/>
                                         </p:tgtEl>
                                         <p:attrNameLst>
                                           <p:attrName>style.visibility</p:attrName>
@@ -13492,7 +13889,7 @@
                                       <p:cBhvr>
                                         <p:cTn dur="1000"/>
                                         <p:tgtEl>
-                                          <p:spTgt spid="173"/>
+                                          <p:spTgt spid="172"/>
                                         </p:tgtEl>
                                       </p:cBhvr>
                                     </p:animEffect>
@@ -13530,7 +13927,630 @@
 </p:sld>
 </file>
 
+<file path=ppt/slides/slide9.xml><?xml version="1.0" encoding="utf-8"?>
+<p:sld xmlns:a="http://schemas.openxmlformats.org/drawingml/2006/main" xmlns:r="http://schemas.openxmlformats.org/officeDocument/2006/relationships" xmlns:mc="http://schemas.openxmlformats.org/markup-compatibility/2006" xmlns:mv="urn:schemas-microsoft-com:mac:vml" xmlns:p="http://schemas.openxmlformats.org/presentationml/2006/main" xmlns:c="http://schemas.openxmlformats.org/drawingml/2006/chart" xmlns:dgm="http://schemas.openxmlformats.org/drawingml/2006/diagram" xmlns:o="urn:schemas-microsoft-com:office:office" xmlns:v="urn:schemas-microsoft-com:vml" xmlns:pvml="urn:schemas-microsoft-com:office:powerpoint" xmlns:com="http://schemas.openxmlformats.org/drawingml/2006/compatibility" xmlns:p14="http://schemas.microsoft.com/office/powerpoint/2010/main" xmlns:p15="http://schemas.microsoft.com/office/powerpoint/2012/main" xmlns:ahyp="http://schemas.microsoft.com/office/drawing/2018/hyperlinkcolor">
+  <p:cSld>
+    <p:bg>
+      <p:bgPr>
+        <a:solidFill>
+          <a:srgbClr val="FFFFFF"/>
+        </a:solidFill>
+      </p:bgPr>
+    </p:bg>
+    <p:spTree>
+      <p:nvGrpSpPr>
+        <p:cNvPr id="177" name="Shape 177"/>
+        <p:cNvGrpSpPr/>
+        <p:nvPr/>
+      </p:nvGrpSpPr>
+      <p:grpSpPr>
+        <a:xfrm>
+          <a:off x="0" y="0"/>
+          <a:ext cx="0" cy="0"/>
+          <a:chOff x="0" y="0"/>
+          <a:chExt cx="0" cy="0"/>
+        </a:xfrm>
+      </p:grpSpPr>
+      <p:sp>
+        <p:nvSpPr>
+          <p:cNvPr id="178" name="Google Shape;178;p22"/>
+          <p:cNvSpPr/>
+          <p:nvPr/>
+        </p:nvSpPr>
+        <p:spPr>
+          <a:xfrm flipH="1">
+            <a:off x="0" y="0"/>
+            <a:ext cx="1494000" cy="6857700"/>
+          </a:xfrm>
+          <a:prstGeom prst="rect">
+            <a:avLst/>
+          </a:prstGeom>
+          <a:solidFill>
+            <a:schemeClr val="accent4"/>
+          </a:solidFill>
+          <a:ln>
+            <a:noFill/>
+          </a:ln>
+        </p:spPr>
+        <p:txBody>
+          <a:bodyPr anchorCtr="0" anchor="ctr" bIns="91425" lIns="91425" spcFirstLastPara="1" rIns="91425" wrap="square" tIns="91425">
+            <a:noAutofit/>
+          </a:bodyPr>
+          <a:lstStyle/>
+          <a:p>
+            <a:pPr indent="0" lvl="0" marL="0" rtl="0" algn="l">
+              <a:spcBef>
+                <a:spcPts val="0"/>
+              </a:spcBef>
+              <a:spcAft>
+                <a:spcPts val="0"/>
+              </a:spcAft>
+              <a:buNone/>
+            </a:pPr>
+            <a:r>
+              <a:t/>
+            </a:r>
+            <a:endParaRPr/>
+          </a:p>
+        </p:txBody>
+      </p:sp>
+      <p:grpSp>
+        <p:nvGrpSpPr>
+          <p:cNvPr id="179" name="Google Shape;179;p22"/>
+          <p:cNvGrpSpPr/>
+          <p:nvPr/>
+        </p:nvGrpSpPr>
+        <p:grpSpPr>
+          <a:xfrm>
+            <a:off x="11460600" y="3154320"/>
+            <a:ext cx="731280" cy="673200"/>
+            <a:chOff x="11460600" y="3154320"/>
+            <a:chExt cx="731280" cy="673200"/>
+          </a:xfrm>
+        </p:grpSpPr>
+        <p:sp>
+          <p:nvSpPr>
+            <p:cNvPr id="180" name="Google Shape;180;p22"/>
+            <p:cNvSpPr/>
+            <p:nvPr/>
+          </p:nvSpPr>
+          <p:spPr>
+            <a:xfrm>
+              <a:off x="11460600" y="3154320"/>
+              <a:ext cx="195600" cy="673200"/>
+            </a:xfrm>
+            <a:prstGeom prst="rect">
+              <a:avLst/>
+            </a:prstGeom>
+            <a:solidFill>
+              <a:schemeClr val="accent4"/>
+            </a:solidFill>
+            <a:ln>
+              <a:noFill/>
+            </a:ln>
+          </p:spPr>
+          <p:txBody>
+            <a:bodyPr anchorCtr="0" anchor="ctr" bIns="91425" lIns="91425" spcFirstLastPara="1" rIns="91425" wrap="square" tIns="91425">
+              <a:noAutofit/>
+            </a:bodyPr>
+            <a:lstStyle/>
+            <a:p>
+              <a:pPr indent="0" lvl="0" marL="0" rtl="0" algn="l">
+                <a:spcBef>
+                  <a:spcPts val="0"/>
+                </a:spcBef>
+                <a:spcAft>
+                  <a:spcPts val="0"/>
+                </a:spcAft>
+                <a:buNone/>
+              </a:pPr>
+              <a:r>
+                <a:t/>
+              </a:r>
+              <a:endParaRPr/>
+            </a:p>
+          </p:txBody>
+        </p:sp>
+        <p:sp>
+          <p:nvSpPr>
+            <p:cNvPr id="181" name="Google Shape;181;p22"/>
+            <p:cNvSpPr/>
+            <p:nvPr/>
+          </p:nvSpPr>
+          <p:spPr>
+            <a:xfrm>
+              <a:off x="11728440" y="3154320"/>
+              <a:ext cx="195600" cy="673200"/>
+            </a:xfrm>
+            <a:prstGeom prst="rect">
+              <a:avLst/>
+            </a:prstGeom>
+            <a:solidFill>
+              <a:schemeClr val="accent4"/>
+            </a:solidFill>
+            <a:ln>
+              <a:noFill/>
+            </a:ln>
+          </p:spPr>
+          <p:txBody>
+            <a:bodyPr anchorCtr="0" anchor="ctr" bIns="91425" lIns="91425" spcFirstLastPara="1" rIns="91425" wrap="square" tIns="91425">
+              <a:noAutofit/>
+            </a:bodyPr>
+            <a:lstStyle/>
+            <a:p>
+              <a:pPr indent="0" lvl="0" marL="0" rtl="0" algn="l">
+                <a:spcBef>
+                  <a:spcPts val="0"/>
+                </a:spcBef>
+                <a:spcAft>
+                  <a:spcPts val="0"/>
+                </a:spcAft>
+                <a:buNone/>
+              </a:pPr>
+              <a:r>
+                <a:t/>
+              </a:r>
+              <a:endParaRPr/>
+            </a:p>
+          </p:txBody>
+        </p:sp>
+        <p:sp>
+          <p:nvSpPr>
+            <p:cNvPr id="182" name="Google Shape;182;p22"/>
+            <p:cNvSpPr/>
+            <p:nvPr/>
+          </p:nvSpPr>
+          <p:spPr>
+            <a:xfrm>
+              <a:off x="11996280" y="3154320"/>
+              <a:ext cx="195600" cy="673200"/>
+            </a:xfrm>
+            <a:prstGeom prst="rect">
+              <a:avLst/>
+            </a:prstGeom>
+            <a:solidFill>
+              <a:schemeClr val="accent4"/>
+            </a:solidFill>
+            <a:ln>
+              <a:noFill/>
+            </a:ln>
+          </p:spPr>
+          <p:txBody>
+            <a:bodyPr anchorCtr="0" anchor="ctr" bIns="91425" lIns="91425" spcFirstLastPara="1" rIns="91425" wrap="square" tIns="91425">
+              <a:noAutofit/>
+            </a:bodyPr>
+            <a:lstStyle/>
+            <a:p>
+              <a:pPr indent="0" lvl="0" marL="0" rtl="0" algn="l">
+                <a:spcBef>
+                  <a:spcPts val="0"/>
+                </a:spcBef>
+                <a:spcAft>
+                  <a:spcPts val="0"/>
+                </a:spcAft>
+                <a:buNone/>
+              </a:pPr>
+              <a:r>
+                <a:t/>
+              </a:r>
+              <a:endParaRPr/>
+            </a:p>
+          </p:txBody>
+        </p:sp>
+      </p:grpSp>
+      <p:sp>
+        <p:nvSpPr>
+          <p:cNvPr id="183" name="Google Shape;183;p22"/>
+          <p:cNvSpPr txBox="1"/>
+          <p:nvPr/>
+        </p:nvSpPr>
+        <p:spPr>
+          <a:xfrm>
+            <a:off x="1494000" y="360000"/>
+            <a:ext cx="10515300" cy="1325100"/>
+          </a:xfrm>
+          <a:prstGeom prst="rect">
+            <a:avLst/>
+          </a:prstGeom>
+          <a:noFill/>
+          <a:ln>
+            <a:noFill/>
+          </a:ln>
+        </p:spPr>
+        <p:txBody>
+          <a:bodyPr anchorCtr="0" anchor="ctr" bIns="45700" lIns="91425" spcFirstLastPara="1" rIns="91425" wrap="square" tIns="45700">
+            <a:noAutofit/>
+          </a:bodyPr>
+          <a:lstStyle/>
+          <a:p>
+            <a:pPr indent="0" lvl="0" marL="0" marR="0" rtl="0" algn="l">
+              <a:lnSpc>
+                <a:spcPct val="90000"/>
+              </a:lnSpc>
+              <a:spcBef>
+                <a:spcPts val="0"/>
+              </a:spcBef>
+              <a:spcAft>
+                <a:spcPts val="0"/>
+              </a:spcAft>
+              <a:buNone/>
+            </a:pPr>
+            <a:r>
+              <a:rPr lang="de-DE" sz="4400">
+                <a:latin typeface="Calibri"/>
+                <a:ea typeface="Calibri"/>
+                <a:cs typeface="Calibri"/>
+                <a:sym typeface="Calibri"/>
+              </a:rPr>
+              <a:t>Demo</a:t>
+            </a:r>
+            <a:endParaRPr b="0" i="0" sz="4400" u="none" cap="none" strike="noStrike">
+              <a:solidFill>
+                <a:srgbClr val="000000"/>
+              </a:solidFill>
+              <a:latin typeface="Calibri"/>
+              <a:ea typeface="Calibri"/>
+              <a:cs typeface="Calibri"/>
+              <a:sym typeface="Calibri"/>
+            </a:endParaRPr>
+          </a:p>
+        </p:txBody>
+      </p:sp>
+      <p:pic>
+        <p:nvPicPr>
+          <p:cNvPr id="184" name="Google Shape;184;p22"/>
+          <p:cNvPicPr preferRelativeResize="0"/>
+          <p:nvPr/>
+        </p:nvPicPr>
+        <p:blipFill rotWithShape="1">
+          <a:blip r:embed="rId3">
+            <a:alphaModFix/>
+          </a:blip>
+          <a:srcRect b="4742" l="0" r="0" t="971"/>
+          <a:stretch/>
+        </p:blipFill>
+        <p:spPr>
+          <a:xfrm>
+            <a:off x="9144360" y="4392360"/>
+            <a:ext cx="2217959" cy="2189880"/>
+          </a:xfrm>
+          <a:prstGeom prst="rect">
+            <a:avLst/>
+          </a:prstGeom>
+          <a:noFill/>
+          <a:ln>
+            <a:noFill/>
+          </a:ln>
+        </p:spPr>
+      </p:pic>
+      <p:sp>
+        <p:nvSpPr>
+          <p:cNvPr id="185" name="Google Shape;185;p22"/>
+          <p:cNvSpPr txBox="1"/>
+          <p:nvPr>
+            <p:ph idx="12" type="sldNum"/>
+          </p:nvPr>
+        </p:nvSpPr>
+        <p:spPr>
+          <a:xfrm>
+            <a:off x="11409045" y="6333134"/>
+            <a:ext cx="731700" cy="525000"/>
+          </a:xfrm>
+          <a:prstGeom prst="rect">
+            <a:avLst/>
+          </a:prstGeom>
+        </p:spPr>
+        <p:txBody>
+          <a:bodyPr anchorCtr="0" anchor="t" bIns="45700" lIns="91425" spcFirstLastPara="1" rIns="91425" wrap="square" tIns="45700">
+            <a:noAutofit/>
+          </a:bodyPr>
+          <a:lstStyle/>
+          <a:p>
+            <a:pPr indent="0" lvl="0" marL="0" rtl="0" algn="r">
+              <a:spcBef>
+                <a:spcPts val="0"/>
+              </a:spcBef>
+              <a:spcAft>
+                <a:spcPts val="0"/>
+              </a:spcAft>
+              <a:buNone/>
+            </a:pPr>
+            <a:fld id="{00000000-1234-1234-1234-123412341234}" type="slidenum">
+              <a:rPr lang="de-DE"/>
+              <a:t>‹#›</a:t>
+            </a:fld>
+            <a:endParaRPr/>
+          </a:p>
+        </p:txBody>
+      </p:sp>
+    </p:spTree>
+  </p:cSld>
+  <p:clrMapOvr>
+    <a:masterClrMapping/>
+  </p:clrMapOvr>
+</p:sld>
+</file>
+
 <file path=ppt/theme/theme1.xml><?xml version="1.0" encoding="utf-8"?>
+<a:theme xmlns:a="http://schemas.openxmlformats.org/drawingml/2006/main" xmlns:r="http://schemas.openxmlformats.org/officeDocument/2006/relationships">
+  <a:themeElements>
+    <a:clrScheme name="Default">
+      <a:dk1>
+        <a:srgbClr val="000000"/>
+      </a:dk1>
+      <a:lt1>
+        <a:srgbClr val="FFFFFF"/>
+      </a:lt1>
+      <a:dk2>
+        <a:srgbClr val="158158"/>
+      </a:dk2>
+      <a:lt2>
+        <a:srgbClr val="F3F3F3"/>
+      </a:lt2>
+      <a:accent1>
+        <a:srgbClr val="058DC7"/>
+      </a:accent1>
+      <a:accent2>
+        <a:srgbClr val="50B432"/>
+      </a:accent2>
+      <a:accent3>
+        <a:srgbClr val="ED561B"/>
+      </a:accent3>
+      <a:accent4>
+        <a:srgbClr val="EDEF00"/>
+      </a:accent4>
+      <a:accent5>
+        <a:srgbClr val="24CBE5"/>
+      </a:accent5>
+      <a:accent6>
+        <a:srgbClr val="64E572"/>
+      </a:accent6>
+      <a:hlink>
+        <a:srgbClr val="2200CC"/>
+      </a:hlink>
+      <a:folHlink>
+        <a:srgbClr val="551A8B"/>
+      </a:folHlink>
+    </a:clrScheme>
+    <a:fontScheme name="Office">
+      <a:majorFont>
+        <a:latin typeface="Arial"/>
+        <a:ea typeface=""/>
+        <a:cs typeface=""/>
+        <a:font script="Jpan" typeface="ＭＳ Ｐゴシック"/>
+        <a:font script="Hang" typeface="맑은 고딕"/>
+        <a:font script="Hans" typeface="宋体"/>
+        <a:font script="Hant" typeface="新細明體"/>
+        <a:font script="Arab" typeface="Times New Roman"/>
+        <a:font script="Hebr" typeface="Times New Roman"/>
+        <a:font script="Thai" typeface="Angsana New"/>
+        <a:font script="Ethi" typeface="Nyala"/>
+        <a:font script="Beng" typeface="Vrinda"/>
+        <a:font script="Gujr" typeface="Shruti"/>
+        <a:font script="Khmr" typeface="MoolBoran"/>
+        <a:font script="Knda" typeface="Tunga"/>
+        <a:font script="Guru" typeface="Raavi"/>
+        <a:font script="Cans" typeface="Euphemia"/>
+        <a:font script="Cher" typeface="Plantagenet Cherokee"/>
+        <a:font script="Yiii" typeface="Microsoft Yi Baiti"/>
+        <a:font script="Tibt" typeface="Microsoft Himalaya"/>
+        <a:font script="Thaa" typeface="MV Boli"/>
+        <a:font script="Deva" typeface="Mangal"/>
+        <a:font script="Telu" typeface="Gautami"/>
+        <a:font script="Taml" typeface="Latha"/>
+        <a:font script="Syrc" typeface="Estrangelo Edessa"/>
+        <a:font script="Orya" typeface="Kalinga"/>
+        <a:font script="Mlym" typeface="Kartika"/>
+        <a:font script="Laoo" typeface="DokChampa"/>
+        <a:font script="Sinh" typeface="Iskoola Pota"/>
+        <a:font script="Mong" typeface="Mongolian Baiti"/>
+        <a:font script="Viet" typeface="Times New Roman"/>
+        <a:font script="Uigh" typeface="Microsoft Uighur"/>
+        <a:font script="Geor" typeface="Sylfaen"/>
+      </a:majorFont>
+      <a:minorFont>
+        <a:latin typeface="Arial"/>
+        <a:ea typeface=""/>
+        <a:cs typeface=""/>
+        <a:font script="Jpan" typeface="ＭＳ Ｐゴシック"/>
+        <a:font script="Hang" typeface="맑은 고딕"/>
+        <a:font script="Hans" typeface="宋体"/>
+        <a:font script="Hant" typeface="新細明體"/>
+        <a:font script="Arab" typeface="Arial"/>
+        <a:font script="Hebr" typeface="Arial"/>
+        <a:font script="Thai" typeface="Cordia New"/>
+        <a:font script="Ethi" typeface="Nyala"/>
+        <a:font script="Beng" typeface="Vrinda"/>
+        <a:font script="Gujr" typeface="Shruti"/>
+        <a:font script="Khmr" typeface="DaunPenh"/>
+        <a:font script="Knda" typeface="Tunga"/>
+        <a:font script="Guru" typeface="Raavi"/>
+        <a:font script="Cans" typeface="Euphemia"/>
+        <a:font script="Cher" typeface="Plantagenet Cherokee"/>
+        <a:font script="Yiii" typeface="Microsoft Yi Baiti"/>
+        <a:font script="Tibt" typeface="Microsoft Himalaya"/>
+        <a:font script="Thaa" typeface="MV Boli"/>
+        <a:font script="Deva" typeface="Mangal"/>
+        <a:font script="Telu" typeface="Gautami"/>
+        <a:font script="Taml" typeface="Latha"/>
+        <a:font script="Syrc" typeface="Estrangelo Edessa"/>
+        <a:font script="Orya" typeface="Kalinga"/>
+        <a:font script="Mlym" typeface="Kartika"/>
+        <a:font script="Laoo" typeface="DokChampa"/>
+        <a:font script="Sinh" typeface="Iskoola Pota"/>
+        <a:font script="Mong" typeface="Mongolian Baiti"/>
+        <a:font script="Viet" typeface="Arial"/>
+        <a:font script="Uigh" typeface="Microsoft Uighur"/>
+        <a:font script="Geor" typeface="Sylfaen"/>
+      </a:minorFont>
+    </a:fontScheme>
+    <a:fmtScheme name="Office">
+      <a:fillStyleLst>
+        <a:solidFill>
+          <a:schemeClr val="phClr"/>
+        </a:solidFill>
+        <a:gradFill rotWithShape="1">
+          <a:gsLst>
+            <a:gs pos="0">
+              <a:schemeClr val="phClr">
+                <a:tint val="50000"/>
+                <a:satMod val="300000"/>
+              </a:schemeClr>
+            </a:gs>
+            <a:gs pos="35000">
+              <a:schemeClr val="phClr">
+                <a:tint val="37000"/>
+                <a:satMod val="300000"/>
+              </a:schemeClr>
+            </a:gs>
+            <a:gs pos="100000">
+              <a:schemeClr val="phClr">
+                <a:tint val="15000"/>
+                <a:satMod val="350000"/>
+              </a:schemeClr>
+            </a:gs>
+          </a:gsLst>
+          <a:lin ang="16200000" scaled="1"/>
+        </a:gradFill>
+        <a:gradFill rotWithShape="1">
+          <a:gsLst>
+            <a:gs pos="0">
+              <a:schemeClr val="phClr">
+                <a:tint val="100000"/>
+                <a:shade val="100000"/>
+                <a:satMod val="130000"/>
+              </a:schemeClr>
+            </a:gs>
+            <a:gs pos="100000">
+              <a:schemeClr val="phClr">
+                <a:tint val="50000"/>
+                <a:shade val="100000"/>
+                <a:satMod val="350000"/>
+              </a:schemeClr>
+            </a:gs>
+          </a:gsLst>
+          <a:lin ang="16200000" scaled="0"/>
+        </a:gradFill>
+      </a:fillStyleLst>
+      <a:lnStyleLst>
+        <a:ln w="9525" cap="flat" cmpd="sng" algn="ctr">
+          <a:solidFill>
+            <a:schemeClr val="phClr">
+              <a:shade val="95000"/>
+              <a:satMod val="105000"/>
+            </a:schemeClr>
+          </a:solidFill>
+          <a:prstDash val="solid"/>
+        </a:ln>
+        <a:ln w="25400" cap="flat" cmpd="sng" algn="ctr">
+          <a:solidFill>
+            <a:schemeClr val="phClr"/>
+          </a:solidFill>
+          <a:prstDash val="solid"/>
+        </a:ln>
+        <a:ln w="38100" cap="flat" cmpd="sng" algn="ctr">
+          <a:solidFill>
+            <a:schemeClr val="phClr"/>
+          </a:solidFill>
+          <a:prstDash val="solid"/>
+        </a:ln>
+      </a:lnStyleLst>
+      <a:effectStyleLst>
+        <a:effectStyle>
+          <a:effectLst>
+            <a:outerShdw blurRad="40000" dist="20000" dir="5400000" rotWithShape="0">
+              <a:srgbClr val="000000">
+                <a:alpha val="38000"/>
+              </a:srgbClr>
+            </a:outerShdw>
+          </a:effectLst>
+        </a:effectStyle>
+        <a:effectStyle>
+          <a:effectLst>
+            <a:outerShdw blurRad="40000" dist="23000" dir="5400000" rotWithShape="0">
+              <a:srgbClr val="000000">
+                <a:alpha val="35000"/>
+              </a:srgbClr>
+            </a:outerShdw>
+          </a:effectLst>
+        </a:effectStyle>
+        <a:effectStyle>
+          <a:effectLst>
+            <a:outerShdw blurRad="40000" dist="23000" dir="5400000" rotWithShape="0">
+              <a:srgbClr val="000000">
+                <a:alpha val="35000"/>
+              </a:srgbClr>
+            </a:outerShdw>
+          </a:effectLst>
+          <a:scene3d>
+            <a:camera prst="orthographicFront">
+              <a:rot lat="0" lon="0" rev="0"/>
+            </a:camera>
+            <a:lightRig rig="threePt" dir="t">
+              <a:rot lat="0" lon="0" rev="1200000"/>
+            </a:lightRig>
+          </a:scene3d>
+          <a:sp3d>
+            <a:bevelT w="63500" h="25400"/>
+          </a:sp3d>
+        </a:effectStyle>
+      </a:effectStyleLst>
+      <a:bgFillStyleLst>
+        <a:solidFill>
+          <a:schemeClr val="phClr"/>
+        </a:solidFill>
+        <a:gradFill rotWithShape="1">
+          <a:gsLst>
+            <a:gs pos="0">
+              <a:schemeClr val="phClr">
+                <a:tint val="40000"/>
+                <a:satMod val="350000"/>
+              </a:schemeClr>
+            </a:gs>
+            <a:gs pos="40000">
+              <a:schemeClr val="phClr">
+                <a:tint val="45000"/>
+                <a:shade val="99000"/>
+                <a:satMod val="350000"/>
+              </a:schemeClr>
+            </a:gs>
+            <a:gs pos="100000">
+              <a:schemeClr val="phClr">
+                <a:shade val="20000"/>
+                <a:satMod val="255000"/>
+              </a:schemeClr>
+            </a:gs>
+          </a:gsLst>
+          <a:path path="circle">
+            <a:fillToRect l="50000" t="-80000" r="50000" b="180000"/>
+          </a:path>
+        </a:gradFill>
+        <a:gradFill rotWithShape="1">
+          <a:gsLst>
+            <a:gs pos="0">
+              <a:schemeClr val="phClr">
+                <a:tint val="80000"/>
+                <a:satMod val="300000"/>
+              </a:schemeClr>
+            </a:gs>
+            <a:gs pos="100000">
+              <a:schemeClr val="phClr">
+                <a:shade val="30000"/>
+                <a:satMod val="200000"/>
+              </a:schemeClr>
+            </a:gs>
+          </a:gsLst>
+          <a:path path="circle">
+            <a:fillToRect l="50000" t="50000" r="50000" b="50000"/>
+          </a:path>
+        </a:gradFill>
+      </a:bgFillStyleLst>
+    </a:fmtScheme>
+  </a:themeElements>
+</a:theme>
+</file>
+
+<file path=ppt/theme/theme2.xml><?xml version="1.0" encoding="utf-8"?>
 <a:theme xmlns:a="http://schemas.openxmlformats.org/drawingml/2006/main" xmlns:r="http://schemas.openxmlformats.org/officeDocument/2006/relationships" name="Office Theme">
   <a:themeElements>
     <a:clrScheme name="Office">
@@ -13807,283 +14827,4 @@
     </a:fmtScheme>
   </a:themeElements>
 </a:theme>
-</file>
-
-<file path=ppt/theme/theme2.xml><?xml version="1.0" encoding="utf-8"?>
-<a:theme xmlns:a="http://schemas.openxmlformats.org/drawingml/2006/main" xmlns:r="http://schemas.openxmlformats.org/officeDocument/2006/relationships">
-  <a:themeElements>
-    <a:clrScheme name="Default">
-      <a:dk1>
-        <a:srgbClr val="000000"/>
-      </a:dk1>
-      <a:lt1>
-        <a:srgbClr val="FFFFFF"/>
-      </a:lt1>
-      <a:dk2>
-        <a:srgbClr val="158158"/>
-      </a:dk2>
-      <a:lt2>
-        <a:srgbClr val="F3F3F3"/>
-      </a:lt2>
-      <a:accent1>
-        <a:srgbClr val="058DC7"/>
-      </a:accent1>
-      <a:accent2>
-        <a:srgbClr val="50B432"/>
-      </a:accent2>
-      <a:accent3>
-        <a:srgbClr val="ED561B"/>
-      </a:accent3>
-      <a:accent4>
-        <a:srgbClr val="EDEF00"/>
-      </a:accent4>
-      <a:accent5>
-        <a:srgbClr val="24CBE5"/>
-      </a:accent5>
-      <a:accent6>
-        <a:srgbClr val="64E572"/>
-      </a:accent6>
-      <a:hlink>
-        <a:srgbClr val="2200CC"/>
-      </a:hlink>
-      <a:folHlink>
-        <a:srgbClr val="551A8B"/>
-      </a:folHlink>
-    </a:clrScheme>
-    <a:fontScheme name="Office">
-      <a:majorFont>
-        <a:latin typeface="Arial"/>
-        <a:ea typeface=""/>
-        <a:cs typeface=""/>
-        <a:font script="Jpan" typeface="ＭＳ Ｐゴシック"/>
-        <a:font script="Hang" typeface="맑은 고딕"/>
-        <a:font script="Hans" typeface="宋体"/>
-        <a:font script="Hant" typeface="新細明體"/>
-        <a:font script="Arab" typeface="Times New Roman"/>
-        <a:font script="Hebr" typeface="Times New Roman"/>
-        <a:font script="Thai" typeface="Angsana New"/>
-        <a:font script="Ethi" typeface="Nyala"/>
-        <a:font script="Beng" typeface="Vrinda"/>
-        <a:font script="Gujr" typeface="Shruti"/>
-        <a:font script="Khmr" typeface="MoolBoran"/>
-        <a:font script="Knda" typeface="Tunga"/>
-        <a:font script="Guru" typeface="Raavi"/>
-        <a:font script="Cans" typeface="Euphemia"/>
-        <a:font script="Cher" typeface="Plantagenet Cherokee"/>
-        <a:font script="Yiii" typeface="Microsoft Yi Baiti"/>
-        <a:font script="Tibt" typeface="Microsoft Himalaya"/>
-        <a:font script="Thaa" typeface="MV Boli"/>
-        <a:font script="Deva" typeface="Mangal"/>
-        <a:font script="Telu" typeface="Gautami"/>
-        <a:font script="Taml" typeface="Latha"/>
-        <a:font script="Syrc" typeface="Estrangelo Edessa"/>
-        <a:font script="Orya" typeface="Kalinga"/>
-        <a:font script="Mlym" typeface="Kartika"/>
-        <a:font script="Laoo" typeface="DokChampa"/>
-        <a:font script="Sinh" typeface="Iskoola Pota"/>
-        <a:font script="Mong" typeface="Mongolian Baiti"/>
-        <a:font script="Viet" typeface="Times New Roman"/>
-        <a:font script="Uigh" typeface="Microsoft Uighur"/>
-        <a:font script="Geor" typeface="Sylfaen"/>
-      </a:majorFont>
-      <a:minorFont>
-        <a:latin typeface="Arial"/>
-        <a:ea typeface=""/>
-        <a:cs typeface=""/>
-        <a:font script="Jpan" typeface="ＭＳ Ｐゴシック"/>
-        <a:font script="Hang" typeface="맑은 고딕"/>
-        <a:font script="Hans" typeface="宋体"/>
-        <a:font script="Hant" typeface="新細明體"/>
-        <a:font script="Arab" typeface="Arial"/>
-        <a:font script="Hebr" typeface="Arial"/>
-        <a:font script="Thai" typeface="Cordia New"/>
-        <a:font script="Ethi" typeface="Nyala"/>
-        <a:font script="Beng" typeface="Vrinda"/>
-        <a:font script="Gujr" typeface="Shruti"/>
-        <a:font script="Khmr" typeface="DaunPenh"/>
-        <a:font script="Knda" typeface="Tunga"/>
-        <a:font script="Guru" typeface="Raavi"/>
-        <a:font script="Cans" typeface="Euphemia"/>
-        <a:font script="Cher" typeface="Plantagenet Cherokee"/>
-        <a:font script="Yiii" typeface="Microsoft Yi Baiti"/>
-        <a:font script="Tibt" typeface="Microsoft Himalaya"/>
-        <a:font script="Thaa" typeface="MV Boli"/>
-        <a:font script="Deva" typeface="Mangal"/>
-        <a:font script="Telu" typeface="Gautami"/>
-        <a:font script="Taml" typeface="Latha"/>
-        <a:font script="Syrc" typeface="Estrangelo Edessa"/>
-        <a:font script="Orya" typeface="Kalinga"/>
-        <a:font script="Mlym" typeface="Kartika"/>
-        <a:font script="Laoo" typeface="DokChampa"/>
-        <a:font script="Sinh" typeface="Iskoola Pota"/>
-        <a:font script="Mong" typeface="Mongolian Baiti"/>
-        <a:font script="Viet" typeface="Arial"/>
-        <a:font script="Uigh" typeface="Microsoft Uighur"/>
-        <a:font script="Geor" typeface="Sylfaen"/>
-      </a:minorFont>
-    </a:fontScheme>
-    <a:fmtScheme name="Office">
-      <a:fillStyleLst>
-        <a:solidFill>
-          <a:schemeClr val="phClr"/>
-        </a:solidFill>
-        <a:gradFill rotWithShape="1">
-          <a:gsLst>
-            <a:gs pos="0">
-              <a:schemeClr val="phClr">
-                <a:tint val="50000"/>
-                <a:satMod val="300000"/>
-              </a:schemeClr>
-            </a:gs>
-            <a:gs pos="35000">
-              <a:schemeClr val="phClr">
-                <a:tint val="37000"/>
-                <a:satMod val="300000"/>
-              </a:schemeClr>
-            </a:gs>
-            <a:gs pos="100000">
-              <a:schemeClr val="phClr">
-                <a:tint val="15000"/>
-                <a:satMod val="350000"/>
-              </a:schemeClr>
-            </a:gs>
-          </a:gsLst>
-          <a:lin ang="16200000" scaled="1"/>
-        </a:gradFill>
-        <a:gradFill rotWithShape="1">
-          <a:gsLst>
-            <a:gs pos="0">
-              <a:schemeClr val="phClr">
-                <a:tint val="100000"/>
-                <a:shade val="100000"/>
-                <a:satMod val="130000"/>
-              </a:schemeClr>
-            </a:gs>
-            <a:gs pos="100000">
-              <a:schemeClr val="phClr">
-                <a:tint val="50000"/>
-                <a:shade val="100000"/>
-                <a:satMod val="350000"/>
-              </a:schemeClr>
-            </a:gs>
-          </a:gsLst>
-          <a:lin ang="16200000" scaled="0"/>
-        </a:gradFill>
-      </a:fillStyleLst>
-      <a:lnStyleLst>
-        <a:ln w="9525" cap="flat" cmpd="sng" algn="ctr">
-          <a:solidFill>
-            <a:schemeClr val="phClr">
-              <a:shade val="95000"/>
-              <a:satMod val="105000"/>
-            </a:schemeClr>
-          </a:solidFill>
-          <a:prstDash val="solid"/>
-        </a:ln>
-        <a:ln w="25400" cap="flat" cmpd="sng" algn="ctr">
-          <a:solidFill>
-            <a:schemeClr val="phClr"/>
-          </a:solidFill>
-          <a:prstDash val="solid"/>
-        </a:ln>
-        <a:ln w="38100" cap="flat" cmpd="sng" algn="ctr">
-          <a:solidFill>
-            <a:schemeClr val="phClr"/>
-          </a:solidFill>
-          <a:prstDash val="solid"/>
-        </a:ln>
-      </a:lnStyleLst>
-      <a:effectStyleLst>
-        <a:effectStyle>
-          <a:effectLst>
-            <a:outerShdw blurRad="40000" dist="20000" dir="5400000" rotWithShape="0">
-              <a:srgbClr val="000000">
-                <a:alpha val="38000"/>
-              </a:srgbClr>
-            </a:outerShdw>
-          </a:effectLst>
-        </a:effectStyle>
-        <a:effectStyle>
-          <a:effectLst>
-            <a:outerShdw blurRad="40000" dist="23000" dir="5400000" rotWithShape="0">
-              <a:srgbClr val="000000">
-                <a:alpha val="35000"/>
-              </a:srgbClr>
-            </a:outerShdw>
-          </a:effectLst>
-        </a:effectStyle>
-        <a:effectStyle>
-          <a:effectLst>
-            <a:outerShdw blurRad="40000" dist="23000" dir="5400000" rotWithShape="0">
-              <a:srgbClr val="000000">
-                <a:alpha val="35000"/>
-              </a:srgbClr>
-            </a:outerShdw>
-          </a:effectLst>
-          <a:scene3d>
-            <a:camera prst="orthographicFront">
-              <a:rot lat="0" lon="0" rev="0"/>
-            </a:camera>
-            <a:lightRig rig="threePt" dir="t">
-              <a:rot lat="0" lon="0" rev="1200000"/>
-            </a:lightRig>
-          </a:scene3d>
-          <a:sp3d>
-            <a:bevelT w="63500" h="25400"/>
-          </a:sp3d>
-        </a:effectStyle>
-      </a:effectStyleLst>
-      <a:bgFillStyleLst>
-        <a:solidFill>
-          <a:schemeClr val="phClr"/>
-        </a:solidFill>
-        <a:gradFill rotWithShape="1">
-          <a:gsLst>
-            <a:gs pos="0">
-              <a:schemeClr val="phClr">
-                <a:tint val="40000"/>
-                <a:satMod val="350000"/>
-              </a:schemeClr>
-            </a:gs>
-            <a:gs pos="40000">
-              <a:schemeClr val="phClr">
-                <a:tint val="45000"/>
-                <a:shade val="99000"/>
-                <a:satMod val="350000"/>
-              </a:schemeClr>
-            </a:gs>
-            <a:gs pos="100000">
-              <a:schemeClr val="phClr">
-                <a:shade val="20000"/>
-                <a:satMod val="255000"/>
-              </a:schemeClr>
-            </a:gs>
-          </a:gsLst>
-          <a:path path="circle">
-            <a:fillToRect l="50000" t="-80000" r="50000" b="180000"/>
-          </a:path>
-        </a:gradFill>
-        <a:gradFill rotWithShape="1">
-          <a:gsLst>
-            <a:gs pos="0">
-              <a:schemeClr val="phClr">
-                <a:tint val="80000"/>
-                <a:satMod val="300000"/>
-              </a:schemeClr>
-            </a:gs>
-            <a:gs pos="100000">
-              <a:schemeClr val="phClr">
-                <a:shade val="30000"/>
-                <a:satMod val="200000"/>
-              </a:schemeClr>
-            </a:gs>
-          </a:gsLst>
-          <a:path path="circle">
-            <a:fillToRect l="50000" t="50000" r="50000" b="50000"/>
-          </a:path>
-        </a:gradFill>
-      </a:bgFillStyleLst>
-    </a:fmtScheme>
-  </a:themeElements>
-</a:theme>
 </file>